--- a/Simmons/Project_2 Credit Card Fraud.pptx
+++ b/Simmons/Project_2 Credit Card Fraud.pptx
@@ -9,22 +9,21 @@
     <p:sldMasterId id="2147483700" r:id="rId6"/>
     <p:sldMasterId id="2147483713" r:id="rId7"/>
     <p:sldMasterId id="2147483726" r:id="rId8"/>
-    <p:sldMasterId id="2147483739" r:id="rId9"/>
   </p:sldMasterIdLst>
   <p:sldIdLst>
-    <p:sldId id="256" r:id="rId10"/>
-    <p:sldId id="257" r:id="rId11"/>
-    <p:sldId id="258" r:id="rId12"/>
-    <p:sldId id="259" r:id="rId13"/>
-    <p:sldId id="260" r:id="rId14"/>
-    <p:sldId id="261" r:id="rId15"/>
-    <p:sldId id="262" r:id="rId16"/>
-    <p:sldId id="263" r:id="rId17"/>
-    <p:sldId id="264" r:id="rId18"/>
-    <p:sldId id="265" r:id="rId19"/>
-    <p:sldId id="266" r:id="rId20"/>
-    <p:sldId id="267" r:id="rId21"/>
-    <p:sldId id="268" r:id="rId22"/>
+    <p:sldId id="256" r:id="rId9"/>
+    <p:sldId id="257" r:id="rId10"/>
+    <p:sldId id="258" r:id="rId11"/>
+    <p:sldId id="259" r:id="rId12"/>
+    <p:sldId id="260" r:id="rId13"/>
+    <p:sldId id="261" r:id="rId14"/>
+    <p:sldId id="262" r:id="rId15"/>
+    <p:sldId id="263" r:id="rId16"/>
+    <p:sldId id="264" r:id="rId17"/>
+    <p:sldId id="265" r:id="rId18"/>
+    <p:sldId id="266" r:id="rId19"/>
+    <p:sldId id="267" r:id="rId20"/>
+    <p:sldId id="268" r:id="rId21"/>
   </p:sldIdLst>
   <p:sldSz cx="12192000" cy="6858000"/>
   <p:notesSz cx="7772400" cy="10058400"/>
@@ -9380,361 +9379,6 @@
 </p:sldLayout>
 </file>
 
-<file path=ppt/slideLayouts/slideLayout85.xml><?xml version="1.0" encoding="utf-8"?>
-<p:sldLayout xmlns:a="http://schemas.openxmlformats.org/drawingml/2006/main" xmlns:p="http://schemas.openxmlformats.org/presentationml/2006/main" xmlns:r="http://schemas.openxmlformats.org/officeDocument/2006/relationships" xmlns:p14="http://schemas.microsoft.com/office/powerpoint/2010/main" xmlns:p15="http://schemas.microsoft.com/office/powerpoint/2012/main" xmlns:mc="http://schemas.openxmlformats.org/markup-compatibility/2006" type="blank" preserve="1">
-  <p:cSld name="Blank Slide">
-    <p:spTree>
-      <p:nvGrpSpPr>
-        <p:cNvPr id="1" name=""/>
-        <p:cNvGrpSpPr/>
-        <p:nvPr/>
-      </p:nvGrpSpPr>
-      <p:grpSpPr>
-        <a:xfrm>
-          <a:off x="0" y="0"/>
-          <a:ext cx="0" cy="0"/>
-          <a:chOff x="0" y="0"/>
-          <a:chExt cx="0" cy="0"/>
-        </a:xfrm>
-      </p:grpSpPr>
-    </p:spTree>
-  </p:cSld>
-</p:sldLayout>
-</file>
-
-<file path=ppt/slideLayouts/slideLayout86.xml><?xml version="1.0" encoding="utf-8"?>
-<p:sldLayout xmlns:a="http://schemas.openxmlformats.org/drawingml/2006/main" xmlns:p="http://schemas.openxmlformats.org/presentationml/2006/main" xmlns:r="http://schemas.openxmlformats.org/officeDocument/2006/relationships" xmlns:p14="http://schemas.microsoft.com/office/powerpoint/2010/main" xmlns:p15="http://schemas.microsoft.com/office/powerpoint/2012/main" xmlns:mc="http://schemas.openxmlformats.org/markup-compatibility/2006" type="tx" preserve="1">
-  <p:cSld name="Title Slide">
-    <p:spTree>
-      <p:nvGrpSpPr>
-        <p:cNvPr id="1" name=""/>
-        <p:cNvGrpSpPr/>
-        <p:nvPr/>
-      </p:nvGrpSpPr>
-      <p:grpSpPr>
-        <a:xfrm>
-          <a:off x="0" y="0"/>
-          <a:ext cx="0" cy="0"/>
-          <a:chOff x="0" y="0"/>
-          <a:chExt cx="0" cy="0"/>
-        </a:xfrm>
-      </p:grpSpPr>
-      <p:sp>
-        <p:nvSpPr>
-          <p:cNvPr id="280" name="PlaceHolder 1"/>
-          <p:cNvSpPr>
-            <a:spLocks noGrp="1"/>
-          </p:cNvSpPr>
-          <p:nvPr>
-            <p:ph type="title"/>
-          </p:nvPr>
-        </p:nvSpPr>
-        <p:spPr>
-          <a:xfrm>
-            <a:off x="609480" y="273600"/>
-            <a:ext cx="10972440" cy="1144800"/>
-          </a:xfrm>
-          <a:prstGeom prst="rect">
-            <a:avLst/>
-          </a:prstGeom>
-        </p:spPr>
-        <p:txBody>
-          <a:bodyPr lIns="0" rIns="0" tIns="0" bIns="0" anchor="ctr">
-            <a:spAutoFit/>
-          </a:bodyPr>
-          <a:p>
-            <a:pPr algn="ctr"/>
-            <a:endParaRPr b="0" lang="en-US" sz="4400" spc="-1" strike="noStrike">
-              <a:latin typeface="Arial"/>
-            </a:endParaRPr>
-          </a:p>
-        </p:txBody>
-      </p:sp>
-      <p:sp>
-        <p:nvSpPr>
-          <p:cNvPr id="281" name="PlaceHolder 2"/>
-          <p:cNvSpPr>
-            <a:spLocks noGrp="1"/>
-          </p:cNvSpPr>
-          <p:nvPr>
-            <p:ph type="subTitle"/>
-          </p:nvPr>
-        </p:nvSpPr>
-        <p:spPr>
-          <a:xfrm>
-            <a:off x="609480" y="1604520"/>
-            <a:ext cx="10972440" cy="3977280"/>
-          </a:xfrm>
-          <a:prstGeom prst="rect">
-            <a:avLst/>
-          </a:prstGeom>
-        </p:spPr>
-        <p:txBody>
-          <a:bodyPr lIns="0" rIns="0" tIns="0" bIns="0" anchor="ctr">
-            <a:spAutoFit/>
-          </a:bodyPr>
-          <a:p>
-            <a:pPr algn="ctr"/>
-            <a:endParaRPr b="0" lang="en-US" sz="3200" spc="-1" strike="noStrike">
-              <a:latin typeface="Arial"/>
-            </a:endParaRPr>
-          </a:p>
-        </p:txBody>
-      </p:sp>
-    </p:spTree>
-  </p:cSld>
-</p:sldLayout>
-</file>
-
-<file path=ppt/slideLayouts/slideLayout87.xml><?xml version="1.0" encoding="utf-8"?>
-<p:sldLayout xmlns:a="http://schemas.openxmlformats.org/drawingml/2006/main" xmlns:p="http://schemas.openxmlformats.org/presentationml/2006/main" xmlns:r="http://schemas.openxmlformats.org/officeDocument/2006/relationships" xmlns:p14="http://schemas.microsoft.com/office/powerpoint/2010/main" xmlns:p15="http://schemas.microsoft.com/office/powerpoint/2012/main" xmlns:mc="http://schemas.openxmlformats.org/markup-compatibility/2006" type="obj" preserve="1">
-  <p:cSld name="Title, Content">
-    <p:spTree>
-      <p:nvGrpSpPr>
-        <p:cNvPr id="1" name=""/>
-        <p:cNvGrpSpPr/>
-        <p:nvPr/>
-      </p:nvGrpSpPr>
-      <p:grpSpPr>
-        <a:xfrm>
-          <a:off x="0" y="0"/>
-          <a:ext cx="0" cy="0"/>
-          <a:chOff x="0" y="0"/>
-          <a:chExt cx="0" cy="0"/>
-        </a:xfrm>
-      </p:grpSpPr>
-      <p:sp>
-        <p:nvSpPr>
-          <p:cNvPr id="282" name="PlaceHolder 1"/>
-          <p:cNvSpPr>
-            <a:spLocks noGrp="1"/>
-          </p:cNvSpPr>
-          <p:nvPr>
-            <p:ph type="title"/>
-          </p:nvPr>
-        </p:nvSpPr>
-        <p:spPr>
-          <a:xfrm>
-            <a:off x="609480" y="273600"/>
-            <a:ext cx="10972440" cy="1144800"/>
-          </a:xfrm>
-          <a:prstGeom prst="rect">
-            <a:avLst/>
-          </a:prstGeom>
-        </p:spPr>
-        <p:txBody>
-          <a:bodyPr lIns="0" rIns="0" tIns="0" bIns="0" anchor="ctr">
-            <a:spAutoFit/>
-          </a:bodyPr>
-          <a:p>
-            <a:pPr algn="ctr"/>
-            <a:endParaRPr b="0" lang="en-US" sz="4400" spc="-1" strike="noStrike">
-              <a:latin typeface="Arial"/>
-            </a:endParaRPr>
-          </a:p>
-        </p:txBody>
-      </p:sp>
-      <p:sp>
-        <p:nvSpPr>
-          <p:cNvPr id="283" name="PlaceHolder 2"/>
-          <p:cNvSpPr>
-            <a:spLocks noGrp="1"/>
-          </p:cNvSpPr>
-          <p:nvPr>
-            <p:ph type="body"/>
-          </p:nvPr>
-        </p:nvSpPr>
-        <p:spPr>
-          <a:xfrm>
-            <a:off x="609480" y="1604520"/>
-            <a:ext cx="10972440" cy="3977280"/>
-          </a:xfrm>
-          <a:prstGeom prst="rect">
-            <a:avLst/>
-          </a:prstGeom>
-        </p:spPr>
-        <p:txBody>
-          <a:bodyPr lIns="0" rIns="0" tIns="0" bIns="0">
-            <a:normAutofit/>
-          </a:bodyPr>
-          <a:p>
-            <a:endParaRPr b="0" lang="en-US" sz="3200" spc="-1" strike="noStrike">
-              <a:latin typeface="Arial"/>
-            </a:endParaRPr>
-          </a:p>
-        </p:txBody>
-      </p:sp>
-    </p:spTree>
-  </p:cSld>
-</p:sldLayout>
-</file>
-
-<file path=ppt/slideLayouts/slideLayout88.xml><?xml version="1.0" encoding="utf-8"?>
-<p:sldLayout xmlns:a="http://schemas.openxmlformats.org/drawingml/2006/main" xmlns:p="http://schemas.openxmlformats.org/presentationml/2006/main" xmlns:r="http://schemas.openxmlformats.org/officeDocument/2006/relationships" xmlns:p14="http://schemas.microsoft.com/office/powerpoint/2010/main" xmlns:p15="http://schemas.microsoft.com/office/powerpoint/2012/main" xmlns:mc="http://schemas.openxmlformats.org/markup-compatibility/2006" type="twoObj" preserve="1">
-  <p:cSld name="Title, 2 Content">
-    <p:spTree>
-      <p:nvGrpSpPr>
-        <p:cNvPr id="1" name=""/>
-        <p:cNvGrpSpPr/>
-        <p:nvPr/>
-      </p:nvGrpSpPr>
-      <p:grpSpPr>
-        <a:xfrm>
-          <a:off x="0" y="0"/>
-          <a:ext cx="0" cy="0"/>
-          <a:chOff x="0" y="0"/>
-          <a:chExt cx="0" cy="0"/>
-        </a:xfrm>
-      </p:grpSpPr>
-      <p:sp>
-        <p:nvSpPr>
-          <p:cNvPr id="284" name="PlaceHolder 1"/>
-          <p:cNvSpPr>
-            <a:spLocks noGrp="1"/>
-          </p:cNvSpPr>
-          <p:nvPr>
-            <p:ph type="title"/>
-          </p:nvPr>
-        </p:nvSpPr>
-        <p:spPr>
-          <a:xfrm>
-            <a:off x="609480" y="273600"/>
-            <a:ext cx="10972440" cy="1144800"/>
-          </a:xfrm>
-          <a:prstGeom prst="rect">
-            <a:avLst/>
-          </a:prstGeom>
-        </p:spPr>
-        <p:txBody>
-          <a:bodyPr lIns="0" rIns="0" tIns="0" bIns="0" anchor="ctr">
-            <a:spAutoFit/>
-          </a:bodyPr>
-          <a:p>
-            <a:pPr algn="ctr"/>
-            <a:endParaRPr b="0" lang="en-US" sz="4400" spc="-1" strike="noStrike">
-              <a:latin typeface="Arial"/>
-            </a:endParaRPr>
-          </a:p>
-        </p:txBody>
-      </p:sp>
-      <p:sp>
-        <p:nvSpPr>
-          <p:cNvPr id="285" name="PlaceHolder 2"/>
-          <p:cNvSpPr>
-            <a:spLocks noGrp="1"/>
-          </p:cNvSpPr>
-          <p:nvPr>
-            <p:ph type="body"/>
-          </p:nvPr>
-        </p:nvSpPr>
-        <p:spPr>
-          <a:xfrm>
-            <a:off x="609480" y="1604520"/>
-            <a:ext cx="5354280" cy="3977280"/>
-          </a:xfrm>
-          <a:prstGeom prst="rect">
-            <a:avLst/>
-          </a:prstGeom>
-        </p:spPr>
-        <p:txBody>
-          <a:bodyPr lIns="0" rIns="0" tIns="0" bIns="0">
-            <a:normAutofit/>
-          </a:bodyPr>
-          <a:p>
-            <a:endParaRPr b="0" lang="en-US" sz="3200" spc="-1" strike="noStrike">
-              <a:latin typeface="Arial"/>
-            </a:endParaRPr>
-          </a:p>
-        </p:txBody>
-      </p:sp>
-      <p:sp>
-        <p:nvSpPr>
-          <p:cNvPr id="286" name="PlaceHolder 3"/>
-          <p:cNvSpPr>
-            <a:spLocks noGrp="1"/>
-          </p:cNvSpPr>
-          <p:nvPr>
-            <p:ph type="body"/>
-          </p:nvPr>
-        </p:nvSpPr>
-        <p:spPr>
-          <a:xfrm>
-            <a:off x="6231960" y="1604520"/>
-            <a:ext cx="5354280" cy="3977280"/>
-          </a:xfrm>
-          <a:prstGeom prst="rect">
-            <a:avLst/>
-          </a:prstGeom>
-        </p:spPr>
-        <p:txBody>
-          <a:bodyPr lIns="0" rIns="0" tIns="0" bIns="0">
-            <a:normAutofit/>
-          </a:bodyPr>
-          <a:p>
-            <a:endParaRPr b="0" lang="en-US" sz="3200" spc="-1" strike="noStrike">
-              <a:latin typeface="Arial"/>
-            </a:endParaRPr>
-          </a:p>
-        </p:txBody>
-      </p:sp>
-    </p:spTree>
-  </p:cSld>
-</p:sldLayout>
-</file>
-
-<file path=ppt/slideLayouts/slideLayout89.xml><?xml version="1.0" encoding="utf-8"?>
-<p:sldLayout xmlns:a="http://schemas.openxmlformats.org/drawingml/2006/main" xmlns:p="http://schemas.openxmlformats.org/presentationml/2006/main" xmlns:r="http://schemas.openxmlformats.org/officeDocument/2006/relationships" xmlns:p14="http://schemas.microsoft.com/office/powerpoint/2010/main" xmlns:p15="http://schemas.microsoft.com/office/powerpoint/2012/main" xmlns:mc="http://schemas.openxmlformats.org/markup-compatibility/2006" type="titleOnly" preserve="1">
-  <p:cSld name="Title Only">
-    <p:spTree>
-      <p:nvGrpSpPr>
-        <p:cNvPr id="1" name=""/>
-        <p:cNvGrpSpPr/>
-        <p:nvPr/>
-      </p:nvGrpSpPr>
-      <p:grpSpPr>
-        <a:xfrm>
-          <a:off x="0" y="0"/>
-          <a:ext cx="0" cy="0"/>
-          <a:chOff x="0" y="0"/>
-          <a:chExt cx="0" cy="0"/>
-        </a:xfrm>
-      </p:grpSpPr>
-      <p:sp>
-        <p:nvSpPr>
-          <p:cNvPr id="287" name="PlaceHolder 1"/>
-          <p:cNvSpPr>
-            <a:spLocks noGrp="1"/>
-          </p:cNvSpPr>
-          <p:nvPr>
-            <p:ph type="title"/>
-          </p:nvPr>
-        </p:nvSpPr>
-        <p:spPr>
-          <a:xfrm>
-            <a:off x="609480" y="273600"/>
-            <a:ext cx="10972440" cy="1144800"/>
-          </a:xfrm>
-          <a:prstGeom prst="rect">
-            <a:avLst/>
-          </a:prstGeom>
-        </p:spPr>
-        <p:txBody>
-          <a:bodyPr lIns="0" rIns="0" tIns="0" bIns="0" anchor="ctr">
-            <a:spAutoFit/>
-          </a:bodyPr>
-          <a:p>
-            <a:pPr algn="ctr"/>
-            <a:endParaRPr b="0" lang="en-US" sz="4400" spc="-1" strike="noStrike">
-              <a:latin typeface="Arial"/>
-            </a:endParaRPr>
-          </a:p>
-        </p:txBody>
-      </p:sp>
-    </p:spTree>
-  </p:cSld>
-</p:sldLayout>
-</file>
-
 <file path=ppt/slideLayouts/slideLayout9.xml><?xml version="1.0" encoding="utf-8"?>
 <p:sldLayout xmlns:a="http://schemas.openxmlformats.org/drawingml/2006/main" xmlns:p="http://schemas.openxmlformats.org/presentationml/2006/main" xmlns:r="http://schemas.openxmlformats.org/officeDocument/2006/relationships" xmlns:p14="http://schemas.microsoft.com/office/powerpoint/2010/main" xmlns:p15="http://schemas.microsoft.com/office/powerpoint/2012/main" xmlns:mc="http://schemas.openxmlformats.org/markup-compatibility/2006" type="twoObjOverTx" preserve="1">
   <p:cSld name="Title, 2 Content over Content">
@@ -9857,1007 +9501,6 @@
           <a:xfrm>
             <a:off x="609480" y="3682080"/>
             <a:ext cx="10972440" cy="1896840"/>
-          </a:xfrm>
-          <a:prstGeom prst="rect">
-            <a:avLst/>
-          </a:prstGeom>
-        </p:spPr>
-        <p:txBody>
-          <a:bodyPr lIns="0" rIns="0" tIns="0" bIns="0">
-            <a:normAutofit/>
-          </a:bodyPr>
-          <a:p>
-            <a:endParaRPr b="0" lang="en-US" sz="3200" spc="-1" strike="noStrike">
-              <a:latin typeface="Arial"/>
-            </a:endParaRPr>
-          </a:p>
-        </p:txBody>
-      </p:sp>
-    </p:spTree>
-  </p:cSld>
-</p:sldLayout>
-</file>
-
-<file path=ppt/slideLayouts/slideLayout90.xml><?xml version="1.0" encoding="utf-8"?>
-<p:sldLayout xmlns:a="http://schemas.openxmlformats.org/drawingml/2006/main" xmlns:p="http://schemas.openxmlformats.org/presentationml/2006/main" xmlns:r="http://schemas.openxmlformats.org/officeDocument/2006/relationships" xmlns:p14="http://schemas.microsoft.com/office/powerpoint/2010/main" xmlns:p15="http://schemas.microsoft.com/office/powerpoint/2012/main" xmlns:mc="http://schemas.openxmlformats.org/markup-compatibility/2006" type="objOnly" preserve="1">
-  <p:cSld name="Centered Text">
-    <p:spTree>
-      <p:nvGrpSpPr>
-        <p:cNvPr id="1" name=""/>
-        <p:cNvGrpSpPr/>
-        <p:nvPr/>
-      </p:nvGrpSpPr>
-      <p:grpSpPr>
-        <a:xfrm>
-          <a:off x="0" y="0"/>
-          <a:ext cx="0" cy="0"/>
-          <a:chOff x="0" y="0"/>
-          <a:chExt cx="0" cy="0"/>
-        </a:xfrm>
-      </p:grpSpPr>
-      <p:sp>
-        <p:nvSpPr>
-          <p:cNvPr id="288" name="PlaceHolder 1"/>
-          <p:cNvSpPr>
-            <a:spLocks noGrp="1"/>
-          </p:cNvSpPr>
-          <p:nvPr>
-            <p:ph type="subTitle"/>
-          </p:nvPr>
-        </p:nvSpPr>
-        <p:spPr>
-          <a:xfrm>
-            <a:off x="609480" y="273600"/>
-            <a:ext cx="10972440" cy="5307840"/>
-          </a:xfrm>
-          <a:prstGeom prst="rect">
-            <a:avLst/>
-          </a:prstGeom>
-        </p:spPr>
-        <p:txBody>
-          <a:bodyPr lIns="0" rIns="0" tIns="0" bIns="0" anchor="ctr">
-            <a:spAutoFit/>
-          </a:bodyPr>
-          <a:p>
-            <a:pPr algn="ctr"/>
-            <a:endParaRPr b="0" lang="en-US" sz="3200" spc="-1" strike="noStrike">
-              <a:latin typeface="Arial"/>
-            </a:endParaRPr>
-          </a:p>
-        </p:txBody>
-      </p:sp>
-    </p:spTree>
-  </p:cSld>
-</p:sldLayout>
-</file>
-
-<file path=ppt/slideLayouts/slideLayout91.xml><?xml version="1.0" encoding="utf-8"?>
-<p:sldLayout xmlns:a="http://schemas.openxmlformats.org/drawingml/2006/main" xmlns:p="http://schemas.openxmlformats.org/presentationml/2006/main" xmlns:r="http://schemas.openxmlformats.org/officeDocument/2006/relationships" xmlns:p14="http://schemas.microsoft.com/office/powerpoint/2010/main" xmlns:p15="http://schemas.microsoft.com/office/powerpoint/2012/main" xmlns:mc="http://schemas.openxmlformats.org/markup-compatibility/2006" type="twoObjAndObj" preserve="1">
-  <p:cSld name="Title, 2 Content and Content">
-    <p:spTree>
-      <p:nvGrpSpPr>
-        <p:cNvPr id="1" name=""/>
-        <p:cNvGrpSpPr/>
-        <p:nvPr/>
-      </p:nvGrpSpPr>
-      <p:grpSpPr>
-        <a:xfrm>
-          <a:off x="0" y="0"/>
-          <a:ext cx="0" cy="0"/>
-          <a:chOff x="0" y="0"/>
-          <a:chExt cx="0" cy="0"/>
-        </a:xfrm>
-      </p:grpSpPr>
-      <p:sp>
-        <p:nvSpPr>
-          <p:cNvPr id="289" name="PlaceHolder 1"/>
-          <p:cNvSpPr>
-            <a:spLocks noGrp="1"/>
-          </p:cNvSpPr>
-          <p:nvPr>
-            <p:ph type="title"/>
-          </p:nvPr>
-        </p:nvSpPr>
-        <p:spPr>
-          <a:xfrm>
-            <a:off x="609480" y="273600"/>
-            <a:ext cx="10972440" cy="1144800"/>
-          </a:xfrm>
-          <a:prstGeom prst="rect">
-            <a:avLst/>
-          </a:prstGeom>
-        </p:spPr>
-        <p:txBody>
-          <a:bodyPr lIns="0" rIns="0" tIns="0" bIns="0" anchor="ctr">
-            <a:spAutoFit/>
-          </a:bodyPr>
-          <a:p>
-            <a:pPr algn="ctr"/>
-            <a:endParaRPr b="0" lang="en-US" sz="4400" spc="-1" strike="noStrike">
-              <a:latin typeface="Arial"/>
-            </a:endParaRPr>
-          </a:p>
-        </p:txBody>
-      </p:sp>
-      <p:sp>
-        <p:nvSpPr>
-          <p:cNvPr id="290" name="PlaceHolder 2"/>
-          <p:cNvSpPr>
-            <a:spLocks noGrp="1"/>
-          </p:cNvSpPr>
-          <p:nvPr>
-            <p:ph type="body"/>
-          </p:nvPr>
-        </p:nvSpPr>
-        <p:spPr>
-          <a:xfrm>
-            <a:off x="609480" y="1604520"/>
-            <a:ext cx="5354280" cy="1896840"/>
-          </a:xfrm>
-          <a:prstGeom prst="rect">
-            <a:avLst/>
-          </a:prstGeom>
-        </p:spPr>
-        <p:txBody>
-          <a:bodyPr lIns="0" rIns="0" tIns="0" bIns="0">
-            <a:normAutofit/>
-          </a:bodyPr>
-          <a:p>
-            <a:endParaRPr b="0" lang="en-US" sz="3200" spc="-1" strike="noStrike">
-              <a:latin typeface="Arial"/>
-            </a:endParaRPr>
-          </a:p>
-        </p:txBody>
-      </p:sp>
-      <p:sp>
-        <p:nvSpPr>
-          <p:cNvPr id="291" name="PlaceHolder 3"/>
-          <p:cNvSpPr>
-            <a:spLocks noGrp="1"/>
-          </p:cNvSpPr>
-          <p:nvPr>
-            <p:ph type="body"/>
-          </p:nvPr>
-        </p:nvSpPr>
-        <p:spPr>
-          <a:xfrm>
-            <a:off x="6231960" y="1604520"/>
-            <a:ext cx="5354280" cy="3977280"/>
-          </a:xfrm>
-          <a:prstGeom prst="rect">
-            <a:avLst/>
-          </a:prstGeom>
-        </p:spPr>
-        <p:txBody>
-          <a:bodyPr lIns="0" rIns="0" tIns="0" bIns="0">
-            <a:normAutofit/>
-          </a:bodyPr>
-          <a:p>
-            <a:endParaRPr b="0" lang="en-US" sz="3200" spc="-1" strike="noStrike">
-              <a:latin typeface="Arial"/>
-            </a:endParaRPr>
-          </a:p>
-        </p:txBody>
-      </p:sp>
-      <p:sp>
-        <p:nvSpPr>
-          <p:cNvPr id="292" name="PlaceHolder 4"/>
-          <p:cNvSpPr>
-            <a:spLocks noGrp="1"/>
-          </p:cNvSpPr>
-          <p:nvPr>
-            <p:ph type="body"/>
-          </p:nvPr>
-        </p:nvSpPr>
-        <p:spPr>
-          <a:xfrm>
-            <a:off x="609480" y="3682080"/>
-            <a:ext cx="5354280" cy="1896840"/>
-          </a:xfrm>
-          <a:prstGeom prst="rect">
-            <a:avLst/>
-          </a:prstGeom>
-        </p:spPr>
-        <p:txBody>
-          <a:bodyPr lIns="0" rIns="0" tIns="0" bIns="0">
-            <a:normAutofit/>
-          </a:bodyPr>
-          <a:p>
-            <a:endParaRPr b="0" lang="en-US" sz="3200" spc="-1" strike="noStrike">
-              <a:latin typeface="Arial"/>
-            </a:endParaRPr>
-          </a:p>
-        </p:txBody>
-      </p:sp>
-    </p:spTree>
-  </p:cSld>
-</p:sldLayout>
-</file>
-
-<file path=ppt/slideLayouts/slideLayout92.xml><?xml version="1.0" encoding="utf-8"?>
-<p:sldLayout xmlns:a="http://schemas.openxmlformats.org/drawingml/2006/main" xmlns:p="http://schemas.openxmlformats.org/presentationml/2006/main" xmlns:r="http://schemas.openxmlformats.org/officeDocument/2006/relationships" xmlns:p14="http://schemas.microsoft.com/office/powerpoint/2010/main" xmlns:p15="http://schemas.microsoft.com/office/powerpoint/2012/main" xmlns:mc="http://schemas.openxmlformats.org/markup-compatibility/2006" type="objAndTwoObj" preserve="1">
-  <p:cSld name="Title Content and 2 Content">
-    <p:spTree>
-      <p:nvGrpSpPr>
-        <p:cNvPr id="1" name=""/>
-        <p:cNvGrpSpPr/>
-        <p:nvPr/>
-      </p:nvGrpSpPr>
-      <p:grpSpPr>
-        <a:xfrm>
-          <a:off x="0" y="0"/>
-          <a:ext cx="0" cy="0"/>
-          <a:chOff x="0" y="0"/>
-          <a:chExt cx="0" cy="0"/>
-        </a:xfrm>
-      </p:grpSpPr>
-      <p:sp>
-        <p:nvSpPr>
-          <p:cNvPr id="293" name="PlaceHolder 1"/>
-          <p:cNvSpPr>
-            <a:spLocks noGrp="1"/>
-          </p:cNvSpPr>
-          <p:nvPr>
-            <p:ph type="title"/>
-          </p:nvPr>
-        </p:nvSpPr>
-        <p:spPr>
-          <a:xfrm>
-            <a:off x="609480" y="273600"/>
-            <a:ext cx="10972440" cy="1144800"/>
-          </a:xfrm>
-          <a:prstGeom prst="rect">
-            <a:avLst/>
-          </a:prstGeom>
-        </p:spPr>
-        <p:txBody>
-          <a:bodyPr lIns="0" rIns="0" tIns="0" bIns="0" anchor="ctr">
-            <a:spAutoFit/>
-          </a:bodyPr>
-          <a:p>
-            <a:pPr algn="ctr"/>
-            <a:endParaRPr b="0" lang="en-US" sz="4400" spc="-1" strike="noStrike">
-              <a:latin typeface="Arial"/>
-            </a:endParaRPr>
-          </a:p>
-        </p:txBody>
-      </p:sp>
-      <p:sp>
-        <p:nvSpPr>
-          <p:cNvPr id="294" name="PlaceHolder 2"/>
-          <p:cNvSpPr>
-            <a:spLocks noGrp="1"/>
-          </p:cNvSpPr>
-          <p:nvPr>
-            <p:ph type="body"/>
-          </p:nvPr>
-        </p:nvSpPr>
-        <p:spPr>
-          <a:xfrm>
-            <a:off x="609480" y="1604520"/>
-            <a:ext cx="5354280" cy="3977280"/>
-          </a:xfrm>
-          <a:prstGeom prst="rect">
-            <a:avLst/>
-          </a:prstGeom>
-        </p:spPr>
-        <p:txBody>
-          <a:bodyPr lIns="0" rIns="0" tIns="0" bIns="0">
-            <a:normAutofit/>
-          </a:bodyPr>
-          <a:p>
-            <a:endParaRPr b="0" lang="en-US" sz="3200" spc="-1" strike="noStrike">
-              <a:latin typeface="Arial"/>
-            </a:endParaRPr>
-          </a:p>
-        </p:txBody>
-      </p:sp>
-      <p:sp>
-        <p:nvSpPr>
-          <p:cNvPr id="295" name="PlaceHolder 3"/>
-          <p:cNvSpPr>
-            <a:spLocks noGrp="1"/>
-          </p:cNvSpPr>
-          <p:nvPr>
-            <p:ph type="body"/>
-          </p:nvPr>
-        </p:nvSpPr>
-        <p:spPr>
-          <a:xfrm>
-            <a:off x="6231960" y="1604520"/>
-            <a:ext cx="5354280" cy="1896840"/>
-          </a:xfrm>
-          <a:prstGeom prst="rect">
-            <a:avLst/>
-          </a:prstGeom>
-        </p:spPr>
-        <p:txBody>
-          <a:bodyPr lIns="0" rIns="0" tIns="0" bIns="0">
-            <a:normAutofit/>
-          </a:bodyPr>
-          <a:p>
-            <a:endParaRPr b="0" lang="en-US" sz="3200" spc="-1" strike="noStrike">
-              <a:latin typeface="Arial"/>
-            </a:endParaRPr>
-          </a:p>
-        </p:txBody>
-      </p:sp>
-      <p:sp>
-        <p:nvSpPr>
-          <p:cNvPr id="296" name="PlaceHolder 4"/>
-          <p:cNvSpPr>
-            <a:spLocks noGrp="1"/>
-          </p:cNvSpPr>
-          <p:nvPr>
-            <p:ph type="body"/>
-          </p:nvPr>
-        </p:nvSpPr>
-        <p:spPr>
-          <a:xfrm>
-            <a:off x="6231960" y="3682080"/>
-            <a:ext cx="5354280" cy="1896840"/>
-          </a:xfrm>
-          <a:prstGeom prst="rect">
-            <a:avLst/>
-          </a:prstGeom>
-        </p:spPr>
-        <p:txBody>
-          <a:bodyPr lIns="0" rIns="0" tIns="0" bIns="0">
-            <a:normAutofit/>
-          </a:bodyPr>
-          <a:p>
-            <a:endParaRPr b="0" lang="en-US" sz="3200" spc="-1" strike="noStrike">
-              <a:latin typeface="Arial"/>
-            </a:endParaRPr>
-          </a:p>
-        </p:txBody>
-      </p:sp>
-    </p:spTree>
-  </p:cSld>
-</p:sldLayout>
-</file>
-
-<file path=ppt/slideLayouts/slideLayout93.xml><?xml version="1.0" encoding="utf-8"?>
-<p:sldLayout xmlns:a="http://schemas.openxmlformats.org/drawingml/2006/main" xmlns:p="http://schemas.openxmlformats.org/presentationml/2006/main" xmlns:r="http://schemas.openxmlformats.org/officeDocument/2006/relationships" xmlns:p14="http://schemas.microsoft.com/office/powerpoint/2010/main" xmlns:p15="http://schemas.microsoft.com/office/powerpoint/2012/main" xmlns:mc="http://schemas.openxmlformats.org/markup-compatibility/2006" type="twoObjOverTx" preserve="1">
-  <p:cSld name="Title, 2 Content over Content">
-    <p:spTree>
-      <p:nvGrpSpPr>
-        <p:cNvPr id="1" name=""/>
-        <p:cNvGrpSpPr/>
-        <p:nvPr/>
-      </p:nvGrpSpPr>
-      <p:grpSpPr>
-        <a:xfrm>
-          <a:off x="0" y="0"/>
-          <a:ext cx="0" cy="0"/>
-          <a:chOff x="0" y="0"/>
-          <a:chExt cx="0" cy="0"/>
-        </a:xfrm>
-      </p:grpSpPr>
-      <p:sp>
-        <p:nvSpPr>
-          <p:cNvPr id="297" name="PlaceHolder 1"/>
-          <p:cNvSpPr>
-            <a:spLocks noGrp="1"/>
-          </p:cNvSpPr>
-          <p:nvPr>
-            <p:ph type="title"/>
-          </p:nvPr>
-        </p:nvSpPr>
-        <p:spPr>
-          <a:xfrm>
-            <a:off x="609480" y="273600"/>
-            <a:ext cx="10972440" cy="1144800"/>
-          </a:xfrm>
-          <a:prstGeom prst="rect">
-            <a:avLst/>
-          </a:prstGeom>
-        </p:spPr>
-        <p:txBody>
-          <a:bodyPr lIns="0" rIns="0" tIns="0" bIns="0" anchor="ctr">
-            <a:spAutoFit/>
-          </a:bodyPr>
-          <a:p>
-            <a:pPr algn="ctr"/>
-            <a:endParaRPr b="0" lang="en-US" sz="4400" spc="-1" strike="noStrike">
-              <a:latin typeface="Arial"/>
-            </a:endParaRPr>
-          </a:p>
-        </p:txBody>
-      </p:sp>
-      <p:sp>
-        <p:nvSpPr>
-          <p:cNvPr id="298" name="PlaceHolder 2"/>
-          <p:cNvSpPr>
-            <a:spLocks noGrp="1"/>
-          </p:cNvSpPr>
-          <p:nvPr>
-            <p:ph type="body"/>
-          </p:nvPr>
-        </p:nvSpPr>
-        <p:spPr>
-          <a:xfrm>
-            <a:off x="609480" y="1604520"/>
-            <a:ext cx="5354280" cy="1896840"/>
-          </a:xfrm>
-          <a:prstGeom prst="rect">
-            <a:avLst/>
-          </a:prstGeom>
-        </p:spPr>
-        <p:txBody>
-          <a:bodyPr lIns="0" rIns="0" tIns="0" bIns="0">
-            <a:normAutofit/>
-          </a:bodyPr>
-          <a:p>
-            <a:endParaRPr b="0" lang="en-US" sz="3200" spc="-1" strike="noStrike">
-              <a:latin typeface="Arial"/>
-            </a:endParaRPr>
-          </a:p>
-        </p:txBody>
-      </p:sp>
-      <p:sp>
-        <p:nvSpPr>
-          <p:cNvPr id="299" name="PlaceHolder 3"/>
-          <p:cNvSpPr>
-            <a:spLocks noGrp="1"/>
-          </p:cNvSpPr>
-          <p:nvPr>
-            <p:ph type="body"/>
-          </p:nvPr>
-        </p:nvSpPr>
-        <p:spPr>
-          <a:xfrm>
-            <a:off x="6231960" y="1604520"/>
-            <a:ext cx="5354280" cy="1896840"/>
-          </a:xfrm>
-          <a:prstGeom prst="rect">
-            <a:avLst/>
-          </a:prstGeom>
-        </p:spPr>
-        <p:txBody>
-          <a:bodyPr lIns="0" rIns="0" tIns="0" bIns="0">
-            <a:normAutofit/>
-          </a:bodyPr>
-          <a:p>
-            <a:endParaRPr b="0" lang="en-US" sz="3200" spc="-1" strike="noStrike">
-              <a:latin typeface="Arial"/>
-            </a:endParaRPr>
-          </a:p>
-        </p:txBody>
-      </p:sp>
-      <p:sp>
-        <p:nvSpPr>
-          <p:cNvPr id="300" name="PlaceHolder 4"/>
-          <p:cNvSpPr>
-            <a:spLocks noGrp="1"/>
-          </p:cNvSpPr>
-          <p:nvPr>
-            <p:ph type="body"/>
-          </p:nvPr>
-        </p:nvSpPr>
-        <p:spPr>
-          <a:xfrm>
-            <a:off x="609480" y="3682080"/>
-            <a:ext cx="10972440" cy="1896840"/>
-          </a:xfrm>
-          <a:prstGeom prst="rect">
-            <a:avLst/>
-          </a:prstGeom>
-        </p:spPr>
-        <p:txBody>
-          <a:bodyPr lIns="0" rIns="0" tIns="0" bIns="0">
-            <a:normAutofit/>
-          </a:bodyPr>
-          <a:p>
-            <a:endParaRPr b="0" lang="en-US" sz="3200" spc="-1" strike="noStrike">
-              <a:latin typeface="Arial"/>
-            </a:endParaRPr>
-          </a:p>
-        </p:txBody>
-      </p:sp>
-    </p:spTree>
-  </p:cSld>
-</p:sldLayout>
-</file>
-
-<file path=ppt/slideLayouts/slideLayout94.xml><?xml version="1.0" encoding="utf-8"?>
-<p:sldLayout xmlns:a="http://schemas.openxmlformats.org/drawingml/2006/main" xmlns:p="http://schemas.openxmlformats.org/presentationml/2006/main" xmlns:r="http://schemas.openxmlformats.org/officeDocument/2006/relationships" xmlns:p14="http://schemas.microsoft.com/office/powerpoint/2010/main" xmlns:p15="http://schemas.microsoft.com/office/powerpoint/2012/main" xmlns:mc="http://schemas.openxmlformats.org/markup-compatibility/2006" type="objOverTx" preserve="1">
-  <p:cSld name="Title, Content over Content">
-    <p:spTree>
-      <p:nvGrpSpPr>
-        <p:cNvPr id="1" name=""/>
-        <p:cNvGrpSpPr/>
-        <p:nvPr/>
-      </p:nvGrpSpPr>
-      <p:grpSpPr>
-        <a:xfrm>
-          <a:off x="0" y="0"/>
-          <a:ext cx="0" cy="0"/>
-          <a:chOff x="0" y="0"/>
-          <a:chExt cx="0" cy="0"/>
-        </a:xfrm>
-      </p:grpSpPr>
-      <p:sp>
-        <p:nvSpPr>
-          <p:cNvPr id="301" name="PlaceHolder 1"/>
-          <p:cNvSpPr>
-            <a:spLocks noGrp="1"/>
-          </p:cNvSpPr>
-          <p:nvPr>
-            <p:ph type="title"/>
-          </p:nvPr>
-        </p:nvSpPr>
-        <p:spPr>
-          <a:xfrm>
-            <a:off x="609480" y="273600"/>
-            <a:ext cx="10972440" cy="1144800"/>
-          </a:xfrm>
-          <a:prstGeom prst="rect">
-            <a:avLst/>
-          </a:prstGeom>
-        </p:spPr>
-        <p:txBody>
-          <a:bodyPr lIns="0" rIns="0" tIns="0" bIns="0" anchor="ctr">
-            <a:spAutoFit/>
-          </a:bodyPr>
-          <a:p>
-            <a:pPr algn="ctr"/>
-            <a:endParaRPr b="0" lang="en-US" sz="4400" spc="-1" strike="noStrike">
-              <a:latin typeface="Arial"/>
-            </a:endParaRPr>
-          </a:p>
-        </p:txBody>
-      </p:sp>
-      <p:sp>
-        <p:nvSpPr>
-          <p:cNvPr id="302" name="PlaceHolder 2"/>
-          <p:cNvSpPr>
-            <a:spLocks noGrp="1"/>
-          </p:cNvSpPr>
-          <p:nvPr>
-            <p:ph type="body"/>
-          </p:nvPr>
-        </p:nvSpPr>
-        <p:spPr>
-          <a:xfrm>
-            <a:off x="609480" y="1604520"/>
-            <a:ext cx="10972440" cy="1896840"/>
-          </a:xfrm>
-          <a:prstGeom prst="rect">
-            <a:avLst/>
-          </a:prstGeom>
-        </p:spPr>
-        <p:txBody>
-          <a:bodyPr lIns="0" rIns="0" tIns="0" bIns="0">
-            <a:normAutofit/>
-          </a:bodyPr>
-          <a:p>
-            <a:endParaRPr b="0" lang="en-US" sz="3200" spc="-1" strike="noStrike">
-              <a:latin typeface="Arial"/>
-            </a:endParaRPr>
-          </a:p>
-        </p:txBody>
-      </p:sp>
-      <p:sp>
-        <p:nvSpPr>
-          <p:cNvPr id="303" name="PlaceHolder 3"/>
-          <p:cNvSpPr>
-            <a:spLocks noGrp="1"/>
-          </p:cNvSpPr>
-          <p:nvPr>
-            <p:ph type="body"/>
-          </p:nvPr>
-        </p:nvSpPr>
-        <p:spPr>
-          <a:xfrm>
-            <a:off x="609480" y="3682080"/>
-            <a:ext cx="10972440" cy="1896840"/>
-          </a:xfrm>
-          <a:prstGeom prst="rect">
-            <a:avLst/>
-          </a:prstGeom>
-        </p:spPr>
-        <p:txBody>
-          <a:bodyPr lIns="0" rIns="0" tIns="0" bIns="0">
-            <a:normAutofit/>
-          </a:bodyPr>
-          <a:p>
-            <a:endParaRPr b="0" lang="en-US" sz="3200" spc="-1" strike="noStrike">
-              <a:latin typeface="Arial"/>
-            </a:endParaRPr>
-          </a:p>
-        </p:txBody>
-      </p:sp>
-    </p:spTree>
-  </p:cSld>
-</p:sldLayout>
-</file>
-
-<file path=ppt/slideLayouts/slideLayout95.xml><?xml version="1.0" encoding="utf-8"?>
-<p:sldLayout xmlns:a="http://schemas.openxmlformats.org/drawingml/2006/main" xmlns:p="http://schemas.openxmlformats.org/presentationml/2006/main" xmlns:r="http://schemas.openxmlformats.org/officeDocument/2006/relationships" xmlns:p14="http://schemas.microsoft.com/office/powerpoint/2010/main" xmlns:p15="http://schemas.microsoft.com/office/powerpoint/2012/main" xmlns:mc="http://schemas.openxmlformats.org/markup-compatibility/2006" type="fourObj" preserve="1">
-  <p:cSld name="Title, 4 Content">
-    <p:spTree>
-      <p:nvGrpSpPr>
-        <p:cNvPr id="1" name=""/>
-        <p:cNvGrpSpPr/>
-        <p:nvPr/>
-      </p:nvGrpSpPr>
-      <p:grpSpPr>
-        <a:xfrm>
-          <a:off x="0" y="0"/>
-          <a:ext cx="0" cy="0"/>
-          <a:chOff x="0" y="0"/>
-          <a:chExt cx="0" cy="0"/>
-        </a:xfrm>
-      </p:grpSpPr>
-      <p:sp>
-        <p:nvSpPr>
-          <p:cNvPr id="304" name="PlaceHolder 1"/>
-          <p:cNvSpPr>
-            <a:spLocks noGrp="1"/>
-          </p:cNvSpPr>
-          <p:nvPr>
-            <p:ph type="title"/>
-          </p:nvPr>
-        </p:nvSpPr>
-        <p:spPr>
-          <a:xfrm>
-            <a:off x="609480" y="273600"/>
-            <a:ext cx="10972440" cy="1144800"/>
-          </a:xfrm>
-          <a:prstGeom prst="rect">
-            <a:avLst/>
-          </a:prstGeom>
-        </p:spPr>
-        <p:txBody>
-          <a:bodyPr lIns="0" rIns="0" tIns="0" bIns="0" anchor="ctr">
-            <a:spAutoFit/>
-          </a:bodyPr>
-          <a:p>
-            <a:pPr algn="ctr"/>
-            <a:endParaRPr b="0" lang="en-US" sz="4400" spc="-1" strike="noStrike">
-              <a:latin typeface="Arial"/>
-            </a:endParaRPr>
-          </a:p>
-        </p:txBody>
-      </p:sp>
-      <p:sp>
-        <p:nvSpPr>
-          <p:cNvPr id="305" name="PlaceHolder 2"/>
-          <p:cNvSpPr>
-            <a:spLocks noGrp="1"/>
-          </p:cNvSpPr>
-          <p:nvPr>
-            <p:ph type="body"/>
-          </p:nvPr>
-        </p:nvSpPr>
-        <p:spPr>
-          <a:xfrm>
-            <a:off x="609480" y="1604520"/>
-            <a:ext cx="5354280" cy="1896840"/>
-          </a:xfrm>
-          <a:prstGeom prst="rect">
-            <a:avLst/>
-          </a:prstGeom>
-        </p:spPr>
-        <p:txBody>
-          <a:bodyPr lIns="0" rIns="0" tIns="0" bIns="0">
-            <a:normAutofit/>
-          </a:bodyPr>
-          <a:p>
-            <a:endParaRPr b="0" lang="en-US" sz="3200" spc="-1" strike="noStrike">
-              <a:latin typeface="Arial"/>
-            </a:endParaRPr>
-          </a:p>
-        </p:txBody>
-      </p:sp>
-      <p:sp>
-        <p:nvSpPr>
-          <p:cNvPr id="306" name="PlaceHolder 3"/>
-          <p:cNvSpPr>
-            <a:spLocks noGrp="1"/>
-          </p:cNvSpPr>
-          <p:nvPr>
-            <p:ph type="body"/>
-          </p:nvPr>
-        </p:nvSpPr>
-        <p:spPr>
-          <a:xfrm>
-            <a:off x="6231960" y="1604520"/>
-            <a:ext cx="5354280" cy="1896840"/>
-          </a:xfrm>
-          <a:prstGeom prst="rect">
-            <a:avLst/>
-          </a:prstGeom>
-        </p:spPr>
-        <p:txBody>
-          <a:bodyPr lIns="0" rIns="0" tIns="0" bIns="0">
-            <a:normAutofit/>
-          </a:bodyPr>
-          <a:p>
-            <a:endParaRPr b="0" lang="en-US" sz="3200" spc="-1" strike="noStrike">
-              <a:latin typeface="Arial"/>
-            </a:endParaRPr>
-          </a:p>
-        </p:txBody>
-      </p:sp>
-      <p:sp>
-        <p:nvSpPr>
-          <p:cNvPr id="307" name="PlaceHolder 4"/>
-          <p:cNvSpPr>
-            <a:spLocks noGrp="1"/>
-          </p:cNvSpPr>
-          <p:nvPr>
-            <p:ph type="body"/>
-          </p:nvPr>
-        </p:nvSpPr>
-        <p:spPr>
-          <a:xfrm>
-            <a:off x="609480" y="3682080"/>
-            <a:ext cx="5354280" cy="1896840"/>
-          </a:xfrm>
-          <a:prstGeom prst="rect">
-            <a:avLst/>
-          </a:prstGeom>
-        </p:spPr>
-        <p:txBody>
-          <a:bodyPr lIns="0" rIns="0" tIns="0" bIns="0">
-            <a:normAutofit/>
-          </a:bodyPr>
-          <a:p>
-            <a:endParaRPr b="0" lang="en-US" sz="3200" spc="-1" strike="noStrike">
-              <a:latin typeface="Arial"/>
-            </a:endParaRPr>
-          </a:p>
-        </p:txBody>
-      </p:sp>
-      <p:sp>
-        <p:nvSpPr>
-          <p:cNvPr id="308" name="PlaceHolder 5"/>
-          <p:cNvSpPr>
-            <a:spLocks noGrp="1"/>
-          </p:cNvSpPr>
-          <p:nvPr>
-            <p:ph type="body"/>
-          </p:nvPr>
-        </p:nvSpPr>
-        <p:spPr>
-          <a:xfrm>
-            <a:off x="6231960" y="3682080"/>
-            <a:ext cx="5354280" cy="1896840"/>
-          </a:xfrm>
-          <a:prstGeom prst="rect">
-            <a:avLst/>
-          </a:prstGeom>
-        </p:spPr>
-        <p:txBody>
-          <a:bodyPr lIns="0" rIns="0" tIns="0" bIns="0">
-            <a:normAutofit/>
-          </a:bodyPr>
-          <a:p>
-            <a:endParaRPr b="0" lang="en-US" sz="3200" spc="-1" strike="noStrike">
-              <a:latin typeface="Arial"/>
-            </a:endParaRPr>
-          </a:p>
-        </p:txBody>
-      </p:sp>
-    </p:spTree>
-  </p:cSld>
-</p:sldLayout>
-</file>
-
-<file path=ppt/slideLayouts/slideLayout96.xml><?xml version="1.0" encoding="utf-8"?>
-<p:sldLayout xmlns:a="http://schemas.openxmlformats.org/drawingml/2006/main" xmlns:p="http://schemas.openxmlformats.org/presentationml/2006/main" xmlns:r="http://schemas.openxmlformats.org/officeDocument/2006/relationships" xmlns:p14="http://schemas.microsoft.com/office/powerpoint/2010/main" xmlns:p15="http://schemas.microsoft.com/office/powerpoint/2012/main" xmlns:mc="http://schemas.openxmlformats.org/markup-compatibility/2006" type="blank" preserve="1">
-  <p:cSld name="Title, 6 Content">
-    <p:spTree>
-      <p:nvGrpSpPr>
-        <p:cNvPr id="1" name=""/>
-        <p:cNvGrpSpPr/>
-        <p:nvPr/>
-      </p:nvGrpSpPr>
-      <p:grpSpPr>
-        <a:xfrm>
-          <a:off x="0" y="0"/>
-          <a:ext cx="0" cy="0"/>
-          <a:chOff x="0" y="0"/>
-          <a:chExt cx="0" cy="0"/>
-        </a:xfrm>
-      </p:grpSpPr>
-      <p:sp>
-        <p:nvSpPr>
-          <p:cNvPr id="309" name="PlaceHolder 1"/>
-          <p:cNvSpPr>
-            <a:spLocks noGrp="1"/>
-          </p:cNvSpPr>
-          <p:nvPr>
-            <p:ph type="title"/>
-          </p:nvPr>
-        </p:nvSpPr>
-        <p:spPr>
-          <a:xfrm>
-            <a:off x="609480" y="273600"/>
-            <a:ext cx="10972440" cy="1144800"/>
-          </a:xfrm>
-          <a:prstGeom prst="rect">
-            <a:avLst/>
-          </a:prstGeom>
-        </p:spPr>
-        <p:txBody>
-          <a:bodyPr lIns="0" rIns="0" tIns="0" bIns="0" anchor="ctr">
-            <a:spAutoFit/>
-          </a:bodyPr>
-          <a:p>
-            <a:pPr algn="ctr"/>
-            <a:endParaRPr b="0" lang="en-US" sz="4400" spc="-1" strike="noStrike">
-              <a:latin typeface="Arial"/>
-            </a:endParaRPr>
-          </a:p>
-        </p:txBody>
-      </p:sp>
-      <p:sp>
-        <p:nvSpPr>
-          <p:cNvPr id="310" name="PlaceHolder 2"/>
-          <p:cNvSpPr>
-            <a:spLocks noGrp="1"/>
-          </p:cNvSpPr>
-          <p:nvPr>
-            <p:ph type="body"/>
-          </p:nvPr>
-        </p:nvSpPr>
-        <p:spPr>
-          <a:xfrm>
-            <a:off x="609480" y="1604520"/>
-            <a:ext cx="3533040" cy="1896840"/>
-          </a:xfrm>
-          <a:prstGeom prst="rect">
-            <a:avLst/>
-          </a:prstGeom>
-        </p:spPr>
-        <p:txBody>
-          <a:bodyPr lIns="0" rIns="0" tIns="0" bIns="0">
-            <a:normAutofit/>
-          </a:bodyPr>
-          <a:p>
-            <a:endParaRPr b="0" lang="en-US" sz="3200" spc="-1" strike="noStrike">
-              <a:latin typeface="Arial"/>
-            </a:endParaRPr>
-          </a:p>
-        </p:txBody>
-      </p:sp>
-      <p:sp>
-        <p:nvSpPr>
-          <p:cNvPr id="311" name="PlaceHolder 3"/>
-          <p:cNvSpPr>
-            <a:spLocks noGrp="1"/>
-          </p:cNvSpPr>
-          <p:nvPr>
-            <p:ph type="body"/>
-          </p:nvPr>
-        </p:nvSpPr>
-        <p:spPr>
-          <a:xfrm>
-            <a:off x="4319640" y="1604520"/>
-            <a:ext cx="3533040" cy="1896840"/>
-          </a:xfrm>
-          <a:prstGeom prst="rect">
-            <a:avLst/>
-          </a:prstGeom>
-        </p:spPr>
-        <p:txBody>
-          <a:bodyPr lIns="0" rIns="0" tIns="0" bIns="0">
-            <a:normAutofit/>
-          </a:bodyPr>
-          <a:p>
-            <a:endParaRPr b="0" lang="en-US" sz="3200" spc="-1" strike="noStrike">
-              <a:latin typeface="Arial"/>
-            </a:endParaRPr>
-          </a:p>
-        </p:txBody>
-      </p:sp>
-      <p:sp>
-        <p:nvSpPr>
-          <p:cNvPr id="312" name="PlaceHolder 4"/>
-          <p:cNvSpPr>
-            <a:spLocks noGrp="1"/>
-          </p:cNvSpPr>
-          <p:nvPr>
-            <p:ph type="body"/>
-          </p:nvPr>
-        </p:nvSpPr>
-        <p:spPr>
-          <a:xfrm>
-            <a:off x="8029800" y="1604520"/>
-            <a:ext cx="3533040" cy="1896840"/>
-          </a:xfrm>
-          <a:prstGeom prst="rect">
-            <a:avLst/>
-          </a:prstGeom>
-        </p:spPr>
-        <p:txBody>
-          <a:bodyPr lIns="0" rIns="0" tIns="0" bIns="0">
-            <a:normAutofit/>
-          </a:bodyPr>
-          <a:p>
-            <a:endParaRPr b="0" lang="en-US" sz="3200" spc="-1" strike="noStrike">
-              <a:latin typeface="Arial"/>
-            </a:endParaRPr>
-          </a:p>
-        </p:txBody>
-      </p:sp>
-      <p:sp>
-        <p:nvSpPr>
-          <p:cNvPr id="313" name="PlaceHolder 5"/>
-          <p:cNvSpPr>
-            <a:spLocks noGrp="1"/>
-          </p:cNvSpPr>
-          <p:nvPr>
-            <p:ph type="body"/>
-          </p:nvPr>
-        </p:nvSpPr>
-        <p:spPr>
-          <a:xfrm>
-            <a:off x="609480" y="3682080"/>
-            <a:ext cx="3533040" cy="1896840"/>
-          </a:xfrm>
-          <a:prstGeom prst="rect">
-            <a:avLst/>
-          </a:prstGeom>
-        </p:spPr>
-        <p:txBody>
-          <a:bodyPr lIns="0" rIns="0" tIns="0" bIns="0">
-            <a:normAutofit/>
-          </a:bodyPr>
-          <a:p>
-            <a:endParaRPr b="0" lang="en-US" sz="3200" spc="-1" strike="noStrike">
-              <a:latin typeface="Arial"/>
-            </a:endParaRPr>
-          </a:p>
-        </p:txBody>
-      </p:sp>
-      <p:sp>
-        <p:nvSpPr>
-          <p:cNvPr id="314" name="PlaceHolder 6"/>
-          <p:cNvSpPr>
-            <a:spLocks noGrp="1"/>
-          </p:cNvSpPr>
-          <p:nvPr>
-            <p:ph type="body"/>
-          </p:nvPr>
-        </p:nvSpPr>
-        <p:spPr>
-          <a:xfrm>
-            <a:off x="4319640" y="3682080"/>
-            <a:ext cx="3533040" cy="1896840"/>
-          </a:xfrm>
-          <a:prstGeom prst="rect">
-            <a:avLst/>
-          </a:prstGeom>
-        </p:spPr>
-        <p:txBody>
-          <a:bodyPr lIns="0" rIns="0" tIns="0" bIns="0">
-            <a:normAutofit/>
-          </a:bodyPr>
-          <a:p>
-            <a:endParaRPr b="0" lang="en-US" sz="3200" spc="-1" strike="noStrike">
-              <a:latin typeface="Arial"/>
-            </a:endParaRPr>
-          </a:p>
-        </p:txBody>
-      </p:sp>
-      <p:sp>
-        <p:nvSpPr>
-          <p:cNvPr id="315" name="PlaceHolder 7"/>
-          <p:cNvSpPr>
-            <a:spLocks noGrp="1"/>
-          </p:cNvSpPr>
-          <p:nvPr>
-            <p:ph type="body"/>
-          </p:nvPr>
-        </p:nvSpPr>
-        <p:spPr>
-          <a:xfrm>
-            <a:off x="8029800" y="3682080"/>
-            <a:ext cx="3533040" cy="1896840"/>
           </a:xfrm>
           <a:prstGeom prst="rect">
             <a:avLst/>
@@ -10915,7 +9558,7 @@
         <p:spPr>
           <a:xfrm>
             <a:off x="0" y="0"/>
-            <a:ext cx="12190680" cy="6856560"/>
+            <a:ext cx="12190320" cy="6856200"/>
           </a:xfrm>
           <a:custGeom>
             <a:avLst/>
@@ -10976,7 +9619,7 @@
         <p:spPr>
           <a:xfrm>
             <a:off x="5891040" y="5628240"/>
-            <a:ext cx="408240" cy="86760"/>
+            <a:ext cx="407880" cy="86400"/>
           </a:xfrm>
           <a:prstGeom prst="rect">
             <a:avLst/>
@@ -11264,7 +9907,7 @@
         <p:spPr>
           <a:xfrm>
             <a:off x="8610480" y="0"/>
-            <a:ext cx="3579840" cy="6856560"/>
+            <a:ext cx="3579480" cy="6856200"/>
           </a:xfrm>
           <a:custGeom>
             <a:avLst/>
@@ -11612,7 +10255,7 @@
         <p:spPr>
           <a:xfrm>
             <a:off x="0" y="0"/>
-            <a:ext cx="12190680" cy="4456440"/>
+            <a:ext cx="12190320" cy="4456080"/>
           </a:xfrm>
           <a:custGeom>
             <a:avLst/>
@@ -11672,7 +10315,7 @@
         <p:spPr>
           <a:xfrm>
             <a:off x="5891040" y="5628240"/>
-            <a:ext cx="408240" cy="86760"/>
+            <a:ext cx="407880" cy="86400"/>
           </a:xfrm>
           <a:prstGeom prst="rect">
             <a:avLst/>
@@ -13257,294 +11900,6 @@
 </p:sldMaster>
 </file>
 
-<file path=ppt/slideMasters/slideMaster8.xml><?xml version="1.0" encoding="utf-8"?>
-<p:sldMaster xmlns:a="http://schemas.openxmlformats.org/drawingml/2006/main" xmlns:p="http://schemas.openxmlformats.org/presentationml/2006/main" xmlns:r="http://schemas.openxmlformats.org/officeDocument/2006/relationships" xmlns:p14="http://schemas.microsoft.com/office/powerpoint/2010/main" xmlns:p15="http://schemas.microsoft.com/office/powerpoint/2012/main" xmlns:mc="http://schemas.openxmlformats.org/markup-compatibility/2006">
-  <p:cSld>
-    <p:bg>
-      <p:bgPr>
-        <a:solidFill>
-          <a:srgbClr val="ffffff"/>
-        </a:solidFill>
-      </p:bgPr>
-    </p:bg>
-    <p:spTree>
-      <p:nvGrpSpPr>
-        <p:cNvPr id="1" name=""/>
-        <p:cNvGrpSpPr/>
-        <p:nvPr/>
-      </p:nvGrpSpPr>
-      <p:grpSpPr>
-        <a:xfrm>
-          <a:off x="0" y="0"/>
-          <a:ext cx="0" cy="0"/>
-          <a:chOff x="0" y="0"/>
-          <a:chExt cx="0" cy="0"/>
-        </a:xfrm>
-      </p:grpSpPr>
-      <p:sp>
-        <p:nvSpPr>
-          <p:cNvPr id="277" name="CustomShape 1"/>
-          <p:cNvSpPr/>
-          <p:nvPr/>
-        </p:nvSpPr>
-        <p:spPr>
-          <a:xfrm>
-            <a:off x="5891040" y="5628240"/>
-            <a:ext cx="408240" cy="86760"/>
-          </a:xfrm>
-          <a:prstGeom prst="rect">
-            <a:avLst/>
-          </a:prstGeom>
-          <a:solidFill>
-            <a:srgbClr val="96d3ed"/>
-          </a:solidFill>
-          <a:ln w="12600">
-            <a:noFill/>
-          </a:ln>
-        </p:spPr>
-        <p:style>
-          <a:lnRef idx="0"/>
-          <a:fillRef idx="0"/>
-          <a:effectRef idx="0"/>
-          <a:fontRef idx="minor"/>
-        </p:style>
-      </p:sp>
-      <p:sp>
-        <p:nvSpPr>
-          <p:cNvPr id="278" name="PlaceHolder 2"/>
-          <p:cNvSpPr>
-            <a:spLocks noGrp="1"/>
-          </p:cNvSpPr>
-          <p:nvPr>
-            <p:ph type="title"/>
-          </p:nvPr>
-        </p:nvSpPr>
-        <p:spPr>
-          <a:xfrm>
-            <a:off x="609480" y="273600"/>
-            <a:ext cx="10972440" cy="1144800"/>
-          </a:xfrm>
-          <a:prstGeom prst="rect">
-            <a:avLst/>
-          </a:prstGeom>
-        </p:spPr>
-        <p:txBody>
-          <a:bodyPr lIns="0" rIns="0" tIns="0" bIns="0" anchor="ctr">
-            <a:noAutofit/>
-          </a:bodyPr>
-          <a:p>
-            <a:pPr algn="ctr"/>
-            <a:r>
-              <a:rPr b="0" lang="en-US" sz="4400" spc="-1" strike="noStrike">
-                <a:latin typeface="Arial"/>
-              </a:rPr>
-              <a:t>Click to edit the title text format</a:t>
-            </a:r>
-            <a:endParaRPr b="0" lang="en-US" sz="4400" spc="-1" strike="noStrike">
-              <a:latin typeface="Arial"/>
-            </a:endParaRPr>
-          </a:p>
-        </p:txBody>
-      </p:sp>
-      <p:sp>
-        <p:nvSpPr>
-          <p:cNvPr id="279" name="PlaceHolder 3"/>
-          <p:cNvSpPr>
-            <a:spLocks noGrp="1"/>
-          </p:cNvSpPr>
-          <p:nvPr>
-            <p:ph type="body"/>
-          </p:nvPr>
-        </p:nvSpPr>
-        <p:spPr>
-          <a:xfrm>
-            <a:off x="609480" y="1604520"/>
-            <a:ext cx="10972440" cy="3977280"/>
-          </a:xfrm>
-          <a:prstGeom prst="rect">
-            <a:avLst/>
-          </a:prstGeom>
-        </p:spPr>
-        <p:txBody>
-          <a:bodyPr lIns="0" rIns="0" tIns="0" bIns="0">
-            <a:normAutofit/>
-          </a:bodyPr>
-          <a:p>
-            <a:pPr marL="432000" indent="-324000">
-              <a:spcBef>
-                <a:spcPts val="1417"/>
-              </a:spcBef>
-              <a:buClr>
-                <a:srgbClr val="000000"/>
-              </a:buClr>
-              <a:buSzPct val="45000"/>
-              <a:buFont typeface="Wingdings" charset="2"/>
-              <a:buChar char=""/>
-            </a:pPr>
-            <a:r>
-              <a:rPr b="0" lang="en-US" sz="3200" spc="-1" strike="noStrike">
-                <a:latin typeface="Arial"/>
-              </a:rPr>
-              <a:t>Click to edit the outline text format</a:t>
-            </a:r>
-            <a:endParaRPr b="0" lang="en-US" sz="3200" spc="-1" strike="noStrike">
-              <a:latin typeface="Arial"/>
-            </a:endParaRPr>
-          </a:p>
-          <a:p>
-            <a:pPr lvl="1" marL="864000" indent="-324000">
-              <a:spcBef>
-                <a:spcPts val="1134"/>
-              </a:spcBef>
-              <a:buClr>
-                <a:srgbClr val="000000"/>
-              </a:buClr>
-              <a:buSzPct val="75000"/>
-              <a:buFont typeface="Symbol" charset="2"/>
-              <a:buChar char=""/>
-            </a:pPr>
-            <a:r>
-              <a:rPr b="0" lang="en-US" sz="2800" spc="-1" strike="noStrike">
-                <a:latin typeface="Arial"/>
-              </a:rPr>
-              <a:t>Second Outline Level</a:t>
-            </a:r>
-            <a:endParaRPr b="0" lang="en-US" sz="2800" spc="-1" strike="noStrike">
-              <a:latin typeface="Arial"/>
-            </a:endParaRPr>
-          </a:p>
-          <a:p>
-            <a:pPr lvl="2" marL="1296000" indent="-288000">
-              <a:spcBef>
-                <a:spcPts val="850"/>
-              </a:spcBef>
-              <a:buClr>
-                <a:srgbClr val="000000"/>
-              </a:buClr>
-              <a:buSzPct val="45000"/>
-              <a:buFont typeface="Wingdings" charset="2"/>
-              <a:buChar char=""/>
-            </a:pPr>
-            <a:r>
-              <a:rPr b="0" lang="en-US" sz="2400" spc="-1" strike="noStrike">
-                <a:latin typeface="Arial"/>
-              </a:rPr>
-              <a:t>Third Outline Level</a:t>
-            </a:r>
-            <a:endParaRPr b="0" lang="en-US" sz="2400" spc="-1" strike="noStrike">
-              <a:latin typeface="Arial"/>
-            </a:endParaRPr>
-          </a:p>
-          <a:p>
-            <a:pPr lvl="3" marL="1728000" indent="-216000">
-              <a:spcBef>
-                <a:spcPts val="567"/>
-              </a:spcBef>
-              <a:buClr>
-                <a:srgbClr val="000000"/>
-              </a:buClr>
-              <a:buSzPct val="75000"/>
-              <a:buFont typeface="Symbol" charset="2"/>
-              <a:buChar char=""/>
-            </a:pPr>
-            <a:r>
-              <a:rPr b="0" lang="en-US" sz="2000" spc="-1" strike="noStrike">
-                <a:latin typeface="Arial"/>
-              </a:rPr>
-              <a:t>Fourth Outline Level</a:t>
-            </a:r>
-            <a:endParaRPr b="0" lang="en-US" sz="2000" spc="-1" strike="noStrike">
-              <a:latin typeface="Arial"/>
-            </a:endParaRPr>
-          </a:p>
-          <a:p>
-            <a:pPr lvl="4" marL="2160000" indent="-216000">
-              <a:spcBef>
-                <a:spcPts val="283"/>
-              </a:spcBef>
-              <a:buClr>
-                <a:srgbClr val="000000"/>
-              </a:buClr>
-              <a:buSzPct val="45000"/>
-              <a:buFont typeface="Wingdings" charset="2"/>
-              <a:buChar char=""/>
-            </a:pPr>
-            <a:r>
-              <a:rPr b="0" lang="en-US" sz="2000" spc="-1" strike="noStrike">
-                <a:latin typeface="Arial"/>
-              </a:rPr>
-              <a:t>Fifth Outline Level</a:t>
-            </a:r>
-            <a:endParaRPr b="0" lang="en-US" sz="2000" spc="-1" strike="noStrike">
-              <a:latin typeface="Arial"/>
-            </a:endParaRPr>
-          </a:p>
-          <a:p>
-            <a:pPr lvl="5" marL="2592000" indent="-216000">
-              <a:spcBef>
-                <a:spcPts val="283"/>
-              </a:spcBef>
-              <a:buClr>
-                <a:srgbClr val="000000"/>
-              </a:buClr>
-              <a:buSzPct val="45000"/>
-              <a:buFont typeface="Wingdings" charset="2"/>
-              <a:buChar char=""/>
-            </a:pPr>
-            <a:r>
-              <a:rPr b="0" lang="en-US" sz="2000" spc="-1" strike="noStrike">
-                <a:latin typeface="Arial"/>
-              </a:rPr>
-              <a:t>Sixth Outline Level</a:t>
-            </a:r>
-            <a:endParaRPr b="0" lang="en-US" sz="2000" spc="-1" strike="noStrike">
-              <a:latin typeface="Arial"/>
-            </a:endParaRPr>
-          </a:p>
-          <a:p>
-            <a:pPr lvl="6" marL="3024000" indent="-216000">
-              <a:spcBef>
-                <a:spcPts val="283"/>
-              </a:spcBef>
-              <a:buClr>
-                <a:srgbClr val="000000"/>
-              </a:buClr>
-              <a:buSzPct val="45000"/>
-              <a:buFont typeface="Wingdings" charset="2"/>
-              <a:buChar char=""/>
-            </a:pPr>
-            <a:r>
-              <a:rPr b="0" lang="en-US" sz="2000" spc="-1" strike="noStrike">
-                <a:latin typeface="Arial"/>
-              </a:rPr>
-              <a:t>Seventh Outline Level</a:t>
-            </a:r>
-            <a:endParaRPr b="0" lang="en-US" sz="2000" spc="-1" strike="noStrike">
-              <a:latin typeface="Arial"/>
-            </a:endParaRPr>
-          </a:p>
-        </p:txBody>
-      </p:sp>
-    </p:spTree>
-  </p:cSld>
-  <p:clrMap bg1="lt1" bg2="lt2" tx1="dk1" tx2="dk2" accent1="accent1" accent2="accent2" accent3="accent3" accent4="accent4" accent5="accent5" accent6="accent6" hlink="hlink" folHlink="folHlink"/>
-  <p:sldLayoutIdLst>
-    <p:sldLayoutId id="2147483740" r:id="rId2"/>
-    <p:sldLayoutId id="2147483741" r:id="rId3"/>
-    <p:sldLayoutId id="2147483742" r:id="rId4"/>
-    <p:sldLayoutId id="2147483743" r:id="rId5"/>
-    <p:sldLayoutId id="2147483744" r:id="rId6"/>
-    <p:sldLayoutId id="2147483745" r:id="rId7"/>
-    <p:sldLayoutId id="2147483746" r:id="rId8"/>
-    <p:sldLayoutId id="2147483747" r:id="rId9"/>
-    <p:sldLayoutId id="2147483748" r:id="rId10"/>
-    <p:sldLayoutId id="2147483749" r:id="rId11"/>
-    <p:sldLayoutId id="2147483750" r:id="rId12"/>
-    <p:sldLayoutId id="2147483751" r:id="rId13"/>
-  </p:sldLayoutIdLst>
-</p:sldMaster>
-</file>
-
 <file path=ppt/slides/slide1.xml><?xml version="1.0" encoding="utf-8"?>
 <p:sld xmlns:a="http://schemas.openxmlformats.org/drawingml/2006/main" xmlns:p="http://schemas.openxmlformats.org/presentationml/2006/main" xmlns:r="http://schemas.openxmlformats.org/officeDocument/2006/relationships" xmlns:p14="http://schemas.microsoft.com/office/powerpoint/2010/main" xmlns:p15="http://schemas.microsoft.com/office/powerpoint/2012/main" xmlns:mc="http://schemas.openxmlformats.org/markup-compatibility/2006">
   <p:cSld>
@@ -13564,14 +11919,14 @@
       </p:grpSpPr>
       <p:sp>
         <p:nvSpPr>
-          <p:cNvPr id="316" name="CustomShape 1"/>
+          <p:cNvPr id="277" name="CustomShape 1"/>
           <p:cNvSpPr/>
           <p:nvPr/>
         </p:nvSpPr>
         <p:spPr>
           <a:xfrm>
             <a:off x="830160" y="1418400"/>
-            <a:ext cx="10668960" cy="4657320"/>
+            <a:ext cx="10668600" cy="4656960"/>
           </a:xfrm>
           <a:prstGeom prst="rect">
             <a:avLst/>
@@ -13598,7 +11953,7 @@
               </a:lnSpc>
             </a:pPr>
             <a:r>
-              <a:rPr b="0" lang="en-US" sz="5400" spc="290" strike="noStrike" cap="all">
+              <a:rPr b="0" lang="en-US" sz="5400" spc="287" strike="noStrike" cap="all">
                 <a:solidFill>
                   <a:srgbClr val="000000"/>
                 </a:solidFill>
@@ -13615,14 +11970,14 @@
       </p:sp>
       <p:sp>
         <p:nvSpPr>
-          <p:cNvPr id="317" name="CustomShape 2"/>
+          <p:cNvPr id="278" name="CustomShape 2"/>
           <p:cNvSpPr/>
           <p:nvPr/>
         </p:nvSpPr>
         <p:spPr>
           <a:xfrm>
             <a:off x="830160" y="5275440"/>
-            <a:ext cx="3656160" cy="424440"/>
+            <a:ext cx="3655800" cy="424440"/>
           </a:xfrm>
           <a:prstGeom prst="rect">
             <a:avLst/>
@@ -13696,14 +12051,14 @@
       </p:grpSpPr>
       <p:sp>
         <p:nvSpPr>
-          <p:cNvPr id="340" name="CustomShape 1"/>
+          <p:cNvPr id="301" name="CustomShape 1"/>
           <p:cNvSpPr/>
           <p:nvPr/>
         </p:nvSpPr>
         <p:spPr>
           <a:xfrm>
             <a:off x="1280160" y="1097280"/>
-            <a:ext cx="9820440" cy="912960"/>
+            <a:ext cx="9820080" cy="912600"/>
           </a:xfrm>
           <a:prstGeom prst="rect">
             <a:avLst/>
@@ -13730,7 +12085,7 @@
               </a:lnSpc>
             </a:pPr>
             <a:r>
-              <a:rPr b="0" lang="en-US" sz="3200" spc="290" strike="noStrike" cap="all">
+              <a:rPr b="0" lang="en-US" sz="3200" spc="287" strike="noStrike" cap="all">
                 <a:solidFill>
                   <a:srgbClr val="000000"/>
                 </a:solidFill>
@@ -13747,14 +12102,14 @@
       </p:sp>
       <p:sp>
         <p:nvSpPr>
-          <p:cNvPr id="341" name="CustomShape 2"/>
+          <p:cNvPr id="302" name="CustomShape 2"/>
           <p:cNvSpPr/>
           <p:nvPr/>
         </p:nvSpPr>
         <p:spPr>
           <a:xfrm>
             <a:off x="3383280" y="2307240"/>
-            <a:ext cx="4662000" cy="3564720"/>
+            <a:ext cx="4661640" cy="3564360"/>
           </a:xfrm>
           <a:prstGeom prst="rect">
             <a:avLst/>
@@ -13854,14 +12209,14 @@
       </p:grpSpPr>
       <p:sp>
         <p:nvSpPr>
-          <p:cNvPr id="342" name="CustomShape 1"/>
+          <p:cNvPr id="303" name="CustomShape 1"/>
           <p:cNvSpPr/>
           <p:nvPr/>
         </p:nvSpPr>
         <p:spPr>
           <a:xfrm>
             <a:off x="1280160" y="1097280"/>
-            <a:ext cx="9819360" cy="912960"/>
+            <a:ext cx="9819000" cy="912600"/>
           </a:xfrm>
           <a:prstGeom prst="rect">
             <a:avLst/>
@@ -13888,7 +12243,7 @@
               </a:lnSpc>
             </a:pPr>
             <a:r>
-              <a:rPr b="0" lang="en-US" sz="3200" spc="290" strike="noStrike" cap="all">
+              <a:rPr b="0" lang="en-US" sz="3200" spc="287" strike="noStrike" cap="all">
                 <a:solidFill>
                   <a:srgbClr val="000000"/>
                 </a:solidFill>
@@ -13905,14 +12260,14 @@
       </p:sp>
       <p:sp>
         <p:nvSpPr>
-          <p:cNvPr id="343" name="CustomShape 2"/>
+          <p:cNvPr id="304" name="CustomShape 2"/>
           <p:cNvSpPr/>
           <p:nvPr/>
         </p:nvSpPr>
         <p:spPr>
           <a:xfrm>
             <a:off x="3809880" y="2331720"/>
-            <a:ext cx="4570560" cy="3427560"/>
+            <a:ext cx="4570200" cy="3427200"/>
           </a:xfrm>
           <a:prstGeom prst="rect">
             <a:avLst/>
@@ -13961,14 +12316,14 @@
       </p:grpSpPr>
       <p:sp>
         <p:nvSpPr>
-          <p:cNvPr id="344" name="CustomShape 1"/>
+          <p:cNvPr id="305" name="CustomShape 1"/>
           <p:cNvSpPr/>
           <p:nvPr/>
         </p:nvSpPr>
         <p:spPr>
           <a:xfrm>
             <a:off x="1280160" y="1097280"/>
-            <a:ext cx="5027760" cy="687960"/>
+            <a:ext cx="5027400" cy="687600"/>
           </a:xfrm>
           <a:prstGeom prst="rect">
             <a:avLst/>
@@ -13995,7 +12350,7 @@
               </a:lnSpc>
             </a:pPr>
             <a:r>
-              <a:rPr b="0" lang="en-US" sz="3200" spc="290" strike="noStrike" cap="all">
+              <a:rPr b="0" lang="en-US" sz="3200" spc="287" strike="noStrike" cap="all">
                 <a:solidFill>
                   <a:srgbClr val="000000"/>
                 </a:solidFill>
@@ -14012,14 +12367,14 @@
       </p:sp>
       <p:sp>
         <p:nvSpPr>
-          <p:cNvPr id="345" name="CustomShape 2"/>
+          <p:cNvPr id="306" name="CustomShape 2"/>
           <p:cNvSpPr/>
           <p:nvPr/>
         </p:nvSpPr>
         <p:spPr>
           <a:xfrm>
             <a:off x="1280160" y="2447640"/>
-            <a:ext cx="10075320" cy="3832560"/>
+            <a:ext cx="10074960" cy="3832200"/>
           </a:xfrm>
           <a:prstGeom prst="rect">
             <a:avLst/>
@@ -14068,14 +12423,14 @@
       </p:grpSpPr>
       <p:sp>
         <p:nvSpPr>
-          <p:cNvPr id="346" name="CustomShape 1"/>
+          <p:cNvPr id="307" name="CustomShape 1"/>
           <p:cNvSpPr/>
           <p:nvPr/>
         </p:nvSpPr>
         <p:spPr>
           <a:xfrm>
             <a:off x="1280160" y="1097280"/>
-            <a:ext cx="9599760" cy="912960"/>
+            <a:ext cx="9599400" cy="912600"/>
           </a:xfrm>
           <a:prstGeom prst="rect">
             <a:avLst/>
@@ -14102,7 +12457,7 @@
               </a:lnSpc>
             </a:pPr>
             <a:r>
-              <a:rPr b="0" lang="en-US" sz="3200" spc="290" strike="noStrike" cap="all">
+              <a:rPr b="0" lang="en-US" sz="3200" spc="287" strike="noStrike" cap="all">
                 <a:solidFill>
                   <a:srgbClr val="000000"/>
                 </a:solidFill>
@@ -14119,14 +12474,14 @@
       </p:sp>
       <p:sp>
         <p:nvSpPr>
-          <p:cNvPr id="347" name="CustomShape 2"/>
+          <p:cNvPr id="308" name="CustomShape 2"/>
           <p:cNvSpPr/>
           <p:nvPr/>
         </p:nvSpPr>
         <p:spPr>
           <a:xfrm>
             <a:off x="830160" y="1613160"/>
-            <a:ext cx="10844640" cy="1763640"/>
+            <a:ext cx="10844280" cy="1635480"/>
           </a:xfrm>
           <a:prstGeom prst="rect">
             <a:avLst/>
@@ -14153,17 +12508,37 @@
               </a:lnSpc>
             </a:pPr>
             <a:r>
-              <a:rPr b="0" lang="en-US" sz="1500" spc="-1" strike="noStrike">
+              <a:rPr b="0" lang="en-US" sz="1050" spc="-1" strike="noStrike">
                 <a:solidFill>
                   <a:srgbClr val="000000"/>
                 </a:solidFill>
                 <a:latin typeface="HCo Gotham SSm"/>
                 <a:ea typeface="DejaVu Sans"/>
               </a:rPr>
-              <a:t>1).  Brett Cruz(2024, Jul 26) 52 Million Americans Experienced Credit Card Fraud Last Year. </a:t>
+              <a:t>1).  Gabriel Preda (2024) Credit Card Fraud Detection Predictive Models. https://www.kaggle.com/code/gpreda/credit-card-fraud-detection-predictive-models</a:t>
+            </a:r>
+            <a:endParaRPr b="0" lang="en-US" sz="1050" spc="-1" strike="noStrike">
+              <a:latin typeface="Arial"/>
+            </a:endParaRPr>
+          </a:p>
+          <a:p>
+            <a:pPr>
+              <a:lnSpc>
+                <a:spcPct val="100000"/>
+              </a:lnSpc>
+            </a:pPr>
+            <a:r>
+              <a:rPr b="0" lang="en-US" sz="1050" spc="-1" strike="noStrike">
+                <a:solidFill>
+                  <a:srgbClr val="000000"/>
+                </a:solidFill>
+                <a:latin typeface="HCo Gotham SSm"/>
+                <a:ea typeface="DejaVu Sans"/>
+              </a:rPr>
+              <a:t>2). Brett Cruz(2024, Jul 26) 52 Million Americans Experienced Credit Card Fraud Last Year. </a:t>
             </a:r>
             <a:r>
-              <a:rPr b="0" lang="en-US" sz="1500" spc="-1" strike="noStrike">
+              <a:rPr b="0" lang="en-US" sz="1050" spc="-1" strike="noStrike">
                 <a:solidFill>
                   <a:srgbClr val="000000"/>
                 </a:solidFill>
@@ -14172,7 +12547,7 @@
               </a:rPr>
               <a:t>Securiety.org</a:t>
             </a:r>
-            <a:endParaRPr b="0" lang="en-US" sz="1500" spc="-1" strike="noStrike">
+            <a:endParaRPr b="0" lang="en-US" sz="1050" spc="-1" strike="noStrike">
               <a:latin typeface="Arial"/>
             </a:endParaRPr>
           </a:p>
@@ -14183,17 +12558,17 @@
               </a:lnSpc>
             </a:pPr>
             <a:r>
-              <a:rPr b="0" lang="en-US" sz="1500" spc="-1" strike="noStrike">
+              <a:rPr b="0" lang="en-US" sz="1050" spc="-1" strike="noStrike">
                 <a:solidFill>
                   <a:srgbClr val="000000"/>
                 </a:solidFill>
                 <a:latin typeface="Arial"/>
                 <a:ea typeface="DejaVu Sans"/>
               </a:rPr>
-              <a:t>2).  RandomForrestClassifier, </a:t>
+              <a:t>3).  RandomForrestClassifier, </a:t>
             </a:r>
             <a:r>
-              <a:rPr b="0" lang="en-US" sz="1400" spc="-1" strike="noStrike">
+              <a:rPr b="0" lang="en-US" sz="1000" spc="-1" strike="noStrike">
                 <a:solidFill>
                   <a:srgbClr val="000000"/>
                 </a:solidFill>
@@ -14202,7 +12577,7 @@
               </a:rPr>
               <a:t>http://scikit-learn.org/stable/modules/generated/sklearn.ensemble.RandomForestClassifier.html</a:t>
             </a:r>
-            <a:endParaRPr b="0" lang="en-US" sz="1400" spc="-1" strike="noStrike">
+            <a:endParaRPr b="0" lang="en-US" sz="1000" spc="-1" strike="noStrike">
               <a:latin typeface="Arial"/>
             </a:endParaRPr>
           </a:p>
@@ -14212,7 +12587,7 @@
                 <a:spcPct val="100000"/>
               </a:lnSpc>
             </a:pPr>
-            <a:endParaRPr b="0" lang="en-US" sz="1400" spc="-1" strike="noStrike">
+            <a:endParaRPr b="0" lang="en-US" sz="1000" spc="-1" strike="noStrike">
               <a:latin typeface="Arial"/>
             </a:endParaRPr>
           </a:p>
@@ -14222,7 +12597,7 @@
                 <a:spcPct val="100000"/>
               </a:lnSpc>
             </a:pPr>
-            <a:endParaRPr b="0" lang="en-US" sz="1400" spc="-1" strike="noStrike">
+            <a:endParaRPr b="0" lang="en-US" sz="1000" spc="-1" strike="noStrike">
               <a:latin typeface="Arial"/>
             </a:endParaRPr>
           </a:p>
@@ -14232,7 +12607,7 @@
                 <a:spcPct val="100000"/>
               </a:lnSpc>
             </a:pPr>
-            <a:endParaRPr b="0" lang="en-US" sz="1400" spc="-1" strike="noStrike">
+            <a:endParaRPr b="0" lang="en-US" sz="1000" spc="-1" strike="noStrike">
               <a:latin typeface="Arial"/>
             </a:endParaRPr>
           </a:p>
@@ -14242,7 +12617,7 @@
                 <a:spcPct val="100000"/>
               </a:lnSpc>
             </a:pPr>
-            <a:endParaRPr b="0" lang="en-US" sz="1400" spc="-1" strike="noStrike">
+            <a:endParaRPr b="0" lang="en-US" sz="1000" spc="-1" strike="noStrike">
               <a:latin typeface="Arial"/>
             </a:endParaRPr>
           </a:p>
@@ -14252,7 +12627,7 @@
                 <a:spcPct val="100000"/>
               </a:lnSpc>
             </a:pPr>
-            <a:endParaRPr b="0" lang="en-US" sz="1400" spc="-1" strike="noStrike">
+            <a:endParaRPr b="0" lang="en-US" sz="1000" spc="-1" strike="noStrike">
               <a:latin typeface="Arial"/>
             </a:endParaRPr>
           </a:p>
@@ -14290,14 +12665,14 @@
       </p:grpSpPr>
       <p:sp>
         <p:nvSpPr>
-          <p:cNvPr id="318" name="CustomShape 1"/>
+          <p:cNvPr id="279" name="CustomShape 1"/>
           <p:cNvSpPr/>
           <p:nvPr/>
         </p:nvSpPr>
         <p:spPr>
           <a:xfrm>
             <a:off x="689400" y="932040"/>
-            <a:ext cx="9874080" cy="529560"/>
+            <a:ext cx="9873720" cy="529200"/>
           </a:xfrm>
           <a:prstGeom prst="rect">
             <a:avLst/>
@@ -14324,7 +12699,7 @@
               </a:lnSpc>
             </a:pPr>
             <a:r>
-              <a:rPr b="0" lang="en-US" sz="3200" spc="290" strike="noStrike" cap="all">
+              <a:rPr b="0" lang="en-US" sz="3200" spc="287" strike="noStrike" cap="all">
                 <a:solidFill>
                   <a:srgbClr val="000000"/>
                 </a:solidFill>
@@ -14341,14 +12716,14 @@
       </p:sp>
       <p:sp>
         <p:nvSpPr>
-          <p:cNvPr id="319" name="CustomShape 2"/>
+          <p:cNvPr id="280" name="CustomShape 2"/>
           <p:cNvSpPr/>
           <p:nvPr/>
         </p:nvSpPr>
         <p:spPr>
           <a:xfrm>
             <a:off x="689400" y="1828800"/>
-            <a:ext cx="10647720" cy="5027400"/>
+            <a:ext cx="10647360" cy="5027400"/>
           </a:xfrm>
           <a:prstGeom prst="rect">
             <a:avLst/>
@@ -14429,7 +12804,7 @@
             </a:endParaRPr>
           </a:p>
           <a:p>
-            <a:pPr marL="216000" indent="-214920">
+            <a:pPr marL="216000" indent="-214560">
               <a:lnSpc>
                 <a:spcPct val="100000"/>
               </a:lnSpc>
@@ -14454,7 +12829,7 @@
             </a:endParaRPr>
           </a:p>
           <a:p>
-            <a:pPr marL="216000" indent="-214920">
+            <a:pPr marL="216000" indent="-214560">
               <a:lnSpc>
                 <a:spcPct val="100000"/>
               </a:lnSpc>
@@ -14479,7 +12854,7 @@
             </a:endParaRPr>
           </a:p>
           <a:p>
-            <a:pPr marL="216000" indent="-214920">
+            <a:pPr marL="216000" indent="-214560">
               <a:lnSpc>
                 <a:spcPct val="100000"/>
               </a:lnSpc>
@@ -14504,7 +12879,7 @@
             </a:endParaRPr>
           </a:p>
           <a:p>
-            <a:pPr marL="216000" indent="-214920">
+            <a:pPr marL="216000" indent="-214560">
               <a:lnSpc>
                 <a:spcPct val="100000"/>
               </a:lnSpc>
@@ -14529,7 +12904,7 @@
             </a:endParaRPr>
           </a:p>
           <a:p>
-            <a:pPr marL="216000" indent="-214920">
+            <a:pPr marL="216000" indent="-214560">
               <a:lnSpc>
                 <a:spcPct val="100000"/>
               </a:lnSpc>
@@ -14657,14 +13032,14 @@
       </p:grpSpPr>
       <p:sp>
         <p:nvSpPr>
-          <p:cNvPr id="320" name="CustomShape 1"/>
+          <p:cNvPr id="281" name="CustomShape 1"/>
           <p:cNvSpPr/>
           <p:nvPr/>
         </p:nvSpPr>
         <p:spPr>
           <a:xfrm>
             <a:off x="975240" y="844200"/>
-            <a:ext cx="5719320" cy="497880"/>
+            <a:ext cx="5718960" cy="497520"/>
           </a:xfrm>
           <a:prstGeom prst="rect">
             <a:avLst/>
@@ -14691,7 +13066,7 @@
               </a:lnSpc>
             </a:pPr>
             <a:r>
-              <a:rPr b="0" lang="en-US" sz="3200" spc="290" strike="noStrike" cap="all">
+              <a:rPr b="0" lang="en-US" sz="3200" spc="287" strike="noStrike" cap="all">
                 <a:solidFill>
                   <a:srgbClr val="000000"/>
                 </a:solidFill>
@@ -14738,7 +13113,7 @@
       </p:grpSpPr>
       <p:pic>
         <p:nvPicPr>
-          <p:cNvPr id="321" name="" descr=""/>
+          <p:cNvPr id="282" name="" descr=""/>
           <p:cNvPicPr/>
           <p:nvPr/>
         </p:nvPicPr>
@@ -14749,7 +13124,7 @@
         <p:spPr>
           <a:xfrm>
             <a:off x="3604680" y="2103120"/>
-            <a:ext cx="4350600" cy="3474360"/>
+            <a:ext cx="4350240" cy="3474000"/>
           </a:xfrm>
           <a:prstGeom prst="rect">
             <a:avLst/>
@@ -14761,14 +13136,14 @@
       </p:pic>
       <p:sp>
         <p:nvSpPr>
-          <p:cNvPr id="322" name="TextShape 1"/>
-          <p:cNvSpPr txBox="1"/>
+          <p:cNvPr id="283" name="CustomShape 1"/>
+          <p:cNvSpPr/>
           <p:nvPr/>
         </p:nvSpPr>
         <p:spPr>
           <a:xfrm>
             <a:off x="640080" y="731520"/>
-            <a:ext cx="9235440" cy="1184760"/>
+            <a:ext cx="9235080" cy="942840"/>
           </a:xfrm>
           <a:prstGeom prst="rect">
             <a:avLst/>
@@ -14778,13 +13153,24 @@
             <a:noFill/>
           </a:ln>
         </p:spPr>
+        <p:style>
+          <a:lnRef idx="0"/>
+          <a:fillRef idx="0"/>
+          <a:effectRef idx="0"/>
+          <a:fontRef idx="minor"/>
+        </p:style>
         <p:txBody>
           <a:bodyPr lIns="90000" rIns="90000" tIns="45000" bIns="45000">
             <a:spAutoFit/>
           </a:bodyPr>
           <a:p>
+            <a:pPr>
+              <a:lnSpc>
+                <a:spcPct val="100000"/>
+              </a:lnSpc>
+            </a:pPr>
             <a:r>
-              <a:rPr b="0" lang="en-US" sz="3200" spc="290" strike="noStrike" cap="all">
+              <a:rPr b="0" lang="en-US" sz="3200" spc="287" strike="noStrike" cap="all">
                 <a:solidFill>
                   <a:srgbClr val="000000"/>
                 </a:solidFill>
@@ -14798,8 +13184,13 @@
             </a:endParaRPr>
           </a:p>
           <a:p>
+            <a:pPr>
+              <a:lnSpc>
+                <a:spcPct val="100000"/>
+              </a:lnSpc>
+            </a:pPr>
             <a:r>
-              <a:rPr b="0" lang="en-US" sz="1200" spc="290" strike="noStrike" cap="all">
+              <a:rPr b="0" lang="en-US" sz="1200" spc="287" strike="noStrike" cap="all">
                 <a:solidFill>
                   <a:srgbClr val="000000"/>
                 </a:solidFill>
@@ -14813,8 +13204,13 @@
             </a:endParaRPr>
           </a:p>
           <a:p>
+            <a:pPr>
+              <a:lnSpc>
+                <a:spcPct val="100000"/>
+              </a:lnSpc>
+            </a:pPr>
             <a:r>
-              <a:rPr b="0" lang="en-US" sz="1200" spc="290" strike="noStrike" cap="all">
+              <a:rPr b="0" lang="en-US" sz="1200" spc="287" strike="noStrike" cap="all">
                 <a:solidFill>
                   <a:srgbClr val="000000"/>
                 </a:solidFill>
@@ -14831,7 +13227,7 @@
       </p:sp>
       <p:pic>
         <p:nvPicPr>
-          <p:cNvPr id="323" name="" descr=""/>
+          <p:cNvPr id="284" name="" descr=""/>
           <p:cNvPicPr/>
           <p:nvPr/>
         </p:nvPicPr>
@@ -14842,7 +13238,7 @@
         <p:spPr>
           <a:xfrm>
             <a:off x="3017520" y="1712520"/>
-            <a:ext cx="5295600" cy="4228920"/>
+            <a:ext cx="5295240" cy="4228560"/>
           </a:xfrm>
           <a:prstGeom prst="rect">
             <a:avLst/>
@@ -14884,14 +13280,14 @@
       </p:grpSpPr>
       <p:sp>
         <p:nvSpPr>
-          <p:cNvPr id="324" name="TextShape 1"/>
-          <p:cNvSpPr txBox="1"/>
+          <p:cNvPr id="285" name="CustomShape 1"/>
+          <p:cNvSpPr/>
           <p:nvPr/>
         </p:nvSpPr>
         <p:spPr>
           <a:xfrm>
             <a:off x="640080" y="731520"/>
-            <a:ext cx="9235440" cy="950040"/>
+            <a:ext cx="9235080" cy="1064520"/>
           </a:xfrm>
           <a:prstGeom prst="rect">
             <a:avLst/>
@@ -14901,13 +13297,24 @@
             <a:noFill/>
           </a:ln>
         </p:spPr>
+        <p:style>
+          <a:lnRef idx="0"/>
+          <a:fillRef idx="0"/>
+          <a:effectRef idx="0"/>
+          <a:fontRef idx="minor"/>
+        </p:style>
         <p:txBody>
           <a:bodyPr lIns="90000" rIns="90000" tIns="45000" bIns="45000">
             <a:spAutoFit/>
           </a:bodyPr>
           <a:p>
+            <a:pPr>
+              <a:lnSpc>
+                <a:spcPct val="100000"/>
+              </a:lnSpc>
+            </a:pPr>
             <a:r>
-              <a:rPr b="0" lang="en-US" sz="3200" spc="290" strike="noStrike" cap="all">
+              <a:rPr b="0" lang="en-US" sz="3200" spc="287" strike="noStrike" cap="all">
                 <a:solidFill>
                   <a:srgbClr val="000000"/>
                 </a:solidFill>
@@ -14921,6 +13328,11 @@
             </a:endParaRPr>
           </a:p>
           <a:p>
+            <a:pPr>
+              <a:lnSpc>
+                <a:spcPct val="100000"/>
+              </a:lnSpc>
+            </a:pPr>
             <a:endParaRPr b="0" lang="en-US" sz="3200" spc="-1" strike="noStrike">
               <a:latin typeface="Arial"/>
             </a:endParaRPr>
@@ -14929,7 +13341,7 @@
       </p:sp>
       <p:pic>
         <p:nvPicPr>
-          <p:cNvPr id="325" name="" descr=""/>
+          <p:cNvPr id="286" name="" descr=""/>
           <p:cNvPicPr/>
           <p:nvPr/>
         </p:nvPicPr>
@@ -14940,7 +13352,7 @@
         <p:spPr>
           <a:xfrm>
             <a:off x="650520" y="1798560"/>
-            <a:ext cx="5079960" cy="4004640"/>
+            <a:ext cx="5079600" cy="4004280"/>
           </a:xfrm>
           <a:prstGeom prst="rect">
             <a:avLst/>
@@ -14952,7 +13364,7 @@
       </p:pic>
       <p:pic>
         <p:nvPicPr>
-          <p:cNvPr id="326" name="" descr=""/>
+          <p:cNvPr id="287" name="" descr=""/>
           <p:cNvPicPr/>
           <p:nvPr/>
         </p:nvPicPr>
@@ -14963,7 +13375,7 @@
         <p:spPr>
           <a:xfrm>
             <a:off x="6238080" y="1798560"/>
-            <a:ext cx="5293800" cy="4023360"/>
+            <a:ext cx="5293440" cy="4023000"/>
           </a:xfrm>
           <a:prstGeom prst="rect">
             <a:avLst/>
@@ -15005,7 +13417,7 @@
       </p:grpSpPr>
       <p:pic>
         <p:nvPicPr>
-          <p:cNvPr id="327" name="" descr=""/>
+          <p:cNvPr id="288" name="" descr=""/>
           <p:cNvPicPr/>
           <p:nvPr/>
         </p:nvPicPr>
@@ -15016,7 +13428,7 @@
         <p:spPr>
           <a:xfrm>
             <a:off x="1371600" y="1569960"/>
-            <a:ext cx="8975880" cy="4739400"/>
+            <a:ext cx="8975520" cy="4739040"/>
           </a:xfrm>
           <a:prstGeom prst="rect">
             <a:avLst/>
@@ -15028,14 +13440,14 @@
       </p:pic>
       <p:sp>
         <p:nvSpPr>
-          <p:cNvPr id="328" name="TextShape 1"/>
-          <p:cNvSpPr txBox="1"/>
+          <p:cNvPr id="289" name="CustomShape 1"/>
+          <p:cNvSpPr/>
           <p:nvPr/>
         </p:nvSpPr>
         <p:spPr>
           <a:xfrm>
             <a:off x="640080" y="656280"/>
-            <a:ext cx="5852160" cy="715320"/>
+            <a:ext cx="5851800" cy="577800"/>
           </a:xfrm>
           <a:prstGeom prst="rect">
             <a:avLst/>
@@ -15045,13 +13457,24 @@
             <a:noFill/>
           </a:ln>
         </p:spPr>
+        <p:style>
+          <a:lnRef idx="0"/>
+          <a:fillRef idx="0"/>
+          <a:effectRef idx="0"/>
+          <a:fontRef idx="minor"/>
+        </p:style>
         <p:txBody>
           <a:bodyPr lIns="90000" rIns="90000" tIns="45000" bIns="45000">
             <a:spAutoFit/>
           </a:bodyPr>
           <a:p>
+            <a:pPr>
+              <a:lnSpc>
+                <a:spcPct val="100000"/>
+              </a:lnSpc>
+            </a:pPr>
             <a:r>
-              <a:rPr b="0" lang="en-US" sz="3200" spc="290" strike="noStrike" cap="all">
+              <a:rPr b="0" lang="en-US" sz="3200" spc="287" strike="noStrike" cap="all">
                 <a:solidFill>
                   <a:srgbClr val="000000"/>
                 </a:solidFill>
@@ -15098,14 +13521,14 @@
       </p:grpSpPr>
       <p:sp>
         <p:nvSpPr>
-          <p:cNvPr id="329" name="CustomShape 1"/>
+          <p:cNvPr id="290" name="CustomShape 1"/>
           <p:cNvSpPr/>
           <p:nvPr/>
         </p:nvSpPr>
         <p:spPr>
           <a:xfrm>
             <a:off x="1280160" y="1097280"/>
-            <a:ext cx="9820440" cy="912960"/>
+            <a:ext cx="9820080" cy="912600"/>
           </a:xfrm>
           <a:prstGeom prst="rect">
             <a:avLst/>
@@ -15132,7 +13555,7 @@
               </a:lnSpc>
             </a:pPr>
             <a:r>
-              <a:rPr b="0" lang="en-US" sz="3200" spc="290" strike="noStrike" cap="all">
+              <a:rPr b="0" lang="en-US" sz="3200" spc="287" strike="noStrike" cap="all">
                 <a:solidFill>
                   <a:srgbClr val="000000"/>
                 </a:solidFill>
@@ -15149,14 +13572,14 @@
       </p:sp>
       <p:sp>
         <p:nvSpPr>
-          <p:cNvPr id="330" name="CustomShape 2"/>
+          <p:cNvPr id="291" name="CustomShape 2"/>
           <p:cNvSpPr/>
           <p:nvPr/>
         </p:nvSpPr>
         <p:spPr>
           <a:xfrm>
             <a:off x="1280160" y="2377440"/>
-            <a:ext cx="4662000" cy="3564720"/>
+            <a:ext cx="4661640" cy="3564360"/>
           </a:xfrm>
           <a:prstGeom prst="rect">
             <a:avLst/>
@@ -15205,14 +13628,14 @@
       </p:sp>
       <p:sp>
         <p:nvSpPr>
-          <p:cNvPr id="331" name="CustomShape 3"/>
+          <p:cNvPr id="292" name="CustomShape 3"/>
           <p:cNvSpPr/>
           <p:nvPr/>
         </p:nvSpPr>
         <p:spPr>
           <a:xfrm>
             <a:off x="6309360" y="2377440"/>
-            <a:ext cx="4662000" cy="3564720"/>
+            <a:ext cx="4661640" cy="3564360"/>
           </a:xfrm>
           <a:prstGeom prst="rect">
             <a:avLst/>
@@ -15291,14 +13714,14 @@
       </p:grpSpPr>
       <p:sp>
         <p:nvSpPr>
-          <p:cNvPr id="332" name="CustomShape 1"/>
+          <p:cNvPr id="293" name="CustomShape 1"/>
           <p:cNvSpPr/>
           <p:nvPr/>
         </p:nvSpPr>
         <p:spPr>
           <a:xfrm>
             <a:off x="1280160" y="1097280"/>
-            <a:ext cx="9820440" cy="912960"/>
+            <a:ext cx="9820080" cy="912600"/>
           </a:xfrm>
           <a:prstGeom prst="rect">
             <a:avLst/>
@@ -15325,7 +13748,7 @@
               </a:lnSpc>
             </a:pPr>
             <a:r>
-              <a:rPr b="0" lang="en-US" sz="3200" spc="290" strike="noStrike" cap="all">
+              <a:rPr b="0" lang="en-US" sz="3200" spc="287" strike="noStrike" cap="all">
                 <a:solidFill>
                   <a:srgbClr val="000000"/>
                 </a:solidFill>
@@ -15342,14 +13765,14 @@
       </p:sp>
       <p:sp>
         <p:nvSpPr>
-          <p:cNvPr id="333" name="CustomShape 2"/>
+          <p:cNvPr id="294" name="CustomShape 2"/>
           <p:cNvSpPr/>
           <p:nvPr/>
         </p:nvSpPr>
         <p:spPr>
           <a:xfrm>
             <a:off x="1280160" y="2377440"/>
-            <a:ext cx="4662000" cy="3564720"/>
+            <a:ext cx="4661640" cy="3564360"/>
           </a:xfrm>
           <a:prstGeom prst="rect">
             <a:avLst/>
@@ -15409,14 +13832,14 @@
       </p:sp>
       <p:sp>
         <p:nvSpPr>
-          <p:cNvPr id="334" name="CustomShape 3"/>
+          <p:cNvPr id="295" name="CustomShape 3"/>
           <p:cNvSpPr/>
           <p:nvPr/>
         </p:nvSpPr>
         <p:spPr>
           <a:xfrm>
             <a:off x="6309360" y="2377440"/>
-            <a:ext cx="4662000" cy="3564720"/>
+            <a:ext cx="4661640" cy="3564360"/>
           </a:xfrm>
           <a:prstGeom prst="rect">
             <a:avLst/>
@@ -15465,7 +13888,7 @@
       </p:sp>
       <p:pic>
         <p:nvPicPr>
-          <p:cNvPr id="335" name="" descr=""/>
+          <p:cNvPr id="296" name="" descr=""/>
           <p:cNvPicPr/>
           <p:nvPr/>
         </p:nvPicPr>
@@ -15476,7 +13899,7 @@
         <p:spPr>
           <a:xfrm>
             <a:off x="1844280" y="3048480"/>
-            <a:ext cx="3459240" cy="2346480"/>
+            <a:ext cx="3458880" cy="2346120"/>
           </a:xfrm>
           <a:prstGeom prst="rect">
             <a:avLst/>
@@ -15488,14 +13911,14 @@
       </p:pic>
       <p:sp>
         <p:nvSpPr>
-          <p:cNvPr id="336" name="TextShape 4"/>
-          <p:cNvSpPr txBox="1"/>
+          <p:cNvPr id="297" name="CustomShape 4"/>
+          <p:cNvSpPr/>
           <p:nvPr/>
         </p:nvSpPr>
         <p:spPr>
           <a:xfrm>
             <a:off x="1825560" y="5394960"/>
-            <a:ext cx="3477960" cy="365760"/>
+            <a:ext cx="3477600" cy="227520"/>
           </a:xfrm>
           <a:prstGeom prst="rect">
             <a:avLst/>
@@ -15505,11 +13928,22 @@
             <a:noFill/>
           </a:ln>
         </p:spPr>
+        <p:style>
+          <a:lnRef idx="0"/>
+          <a:fillRef idx="0"/>
+          <a:effectRef idx="0"/>
+          <a:fontRef idx="minor"/>
+        </p:style>
         <p:txBody>
           <a:bodyPr lIns="90000" rIns="90000" tIns="45000" bIns="45000">
             <a:spAutoFit/>
           </a:bodyPr>
           <a:p>
+            <a:pPr>
+              <a:lnSpc>
+                <a:spcPct val="100000"/>
+              </a:lnSpc>
+            </a:pPr>
             <a:r>
               <a:rPr b="0" lang="en-US" sz="900" spc="-1" strike="noStrike">
                 <a:latin typeface="Arial"/>
@@ -15554,14 +13988,14 @@
       </p:grpSpPr>
       <p:sp>
         <p:nvSpPr>
-          <p:cNvPr id="337" name="CustomShape 1"/>
+          <p:cNvPr id="298" name="CustomShape 1"/>
           <p:cNvSpPr/>
           <p:nvPr/>
         </p:nvSpPr>
         <p:spPr>
           <a:xfrm>
             <a:off x="1280160" y="1097280"/>
-            <a:ext cx="9820440" cy="912960"/>
+            <a:ext cx="9820080" cy="912600"/>
           </a:xfrm>
           <a:prstGeom prst="rect">
             <a:avLst/>
@@ -15588,7 +14022,7 @@
               </a:lnSpc>
             </a:pPr>
             <a:r>
-              <a:rPr b="0" lang="en-US" sz="3200" spc="290" strike="noStrike" cap="all">
+              <a:rPr b="0" lang="en-US" sz="3200" spc="287" strike="noStrike" cap="all">
                 <a:solidFill>
                   <a:srgbClr val="000000"/>
                 </a:solidFill>
@@ -15605,14 +14039,14 @@
       </p:sp>
       <p:sp>
         <p:nvSpPr>
-          <p:cNvPr id="338" name="CustomShape 2"/>
+          <p:cNvPr id="299" name="CustomShape 2"/>
           <p:cNvSpPr/>
           <p:nvPr/>
         </p:nvSpPr>
         <p:spPr>
           <a:xfrm>
             <a:off x="1280160" y="2377440"/>
-            <a:ext cx="4662000" cy="3564720"/>
+            <a:ext cx="4661640" cy="3564360"/>
           </a:xfrm>
           <a:prstGeom prst="rect">
             <a:avLst/>
@@ -15683,14 +14117,14 @@
       </p:sp>
       <p:sp>
         <p:nvSpPr>
-          <p:cNvPr id="339" name="CustomShape 3"/>
+          <p:cNvPr id="300" name="CustomShape 3"/>
           <p:cNvSpPr/>
           <p:nvPr/>
         </p:nvSpPr>
         <p:spPr>
           <a:xfrm>
             <a:off x="6309360" y="2377440"/>
-            <a:ext cx="4662000" cy="3564720"/>
+            <a:ext cx="4661640" cy="3564360"/>
           </a:xfrm>
           <a:prstGeom prst="rect">
             <a:avLst/>
@@ -17320,227 +15754,4 @@
     </a:fmtScheme>
   </a:themeElements>
 </a:theme>
-</file>
-
-<file path=ppt/theme/theme8.xml><?xml version="1.0" encoding="utf-8"?>
-<a:theme xmlns:a="http://schemas.openxmlformats.org/drawingml/2006/main" name="Office Theme">
-  <a:themeElements>
-    <a:clrScheme name="Office">
-      <a:dk1>
-        <a:sysClr val="windowText" lastClr="000000"/>
-      </a:dk1>
-      <a:lt1>
-        <a:sysClr val="window" lastClr="FFFFFF"/>
-      </a:lt1>
-      <a:dk2>
-        <a:srgbClr val="1f497d"/>
-      </a:dk2>
-      <a:lt2>
-        <a:srgbClr val="eeece1"/>
-      </a:lt2>
-      <a:accent1>
-        <a:srgbClr val="4f81bd"/>
-      </a:accent1>
-      <a:accent2>
-        <a:srgbClr val="c0504d"/>
-      </a:accent2>
-      <a:accent3>
-        <a:srgbClr val="9bbb59"/>
-      </a:accent3>
-      <a:accent4>
-        <a:srgbClr val="8064a2"/>
-      </a:accent4>
-      <a:accent5>
-        <a:srgbClr val="4bacc6"/>
-      </a:accent5>
-      <a:accent6>
-        <a:srgbClr val="f79646"/>
-      </a:accent6>
-      <a:hlink>
-        <a:srgbClr val="0000ff"/>
-      </a:hlink>
-      <a:folHlink>
-        <a:srgbClr val="800080"/>
-      </a:folHlink>
-    </a:clrScheme>
-    <a:fontScheme name="Office">
-      <a:majorFont>
-        <a:latin typeface="Arial"/>
-        <a:ea typeface="DejaVu Sans"/>
-        <a:cs typeface="DejaVu Sans"/>
-      </a:majorFont>
-      <a:minorFont>
-        <a:latin typeface="Arial"/>
-        <a:ea typeface="DejaVu Sans"/>
-        <a:cs typeface="DejaVu Sans"/>
-      </a:minorFont>
-    </a:fontScheme>
-    <a:fmtScheme name="Office">
-      <a:fillStyleLst>
-        <a:solidFill>
-          <a:schemeClr val="phClr"/>
-        </a:solidFill>
-        <a:gradFill rotWithShape="1">
-          <a:gsLst>
-            <a:gs pos="0">
-              <a:schemeClr val="phClr">
-                <a:tint val="50000"/>
-                <a:satMod val="300000"/>
-              </a:schemeClr>
-            </a:gs>
-            <a:gs pos="35000">
-              <a:schemeClr val="phClr">
-                <a:tint val="37000"/>
-                <a:satMod val="300000"/>
-              </a:schemeClr>
-            </a:gs>
-            <a:gs pos="100000">
-              <a:schemeClr val="phClr">
-                <a:tint val="15000"/>
-                <a:satMod val="350000"/>
-              </a:schemeClr>
-            </a:gs>
-          </a:gsLst>
-          <a:lin ang="16200000" scaled="1"/>
-        </a:gradFill>
-        <a:gradFill rotWithShape="1">
-          <a:gsLst>
-            <a:gs pos="0">
-              <a:schemeClr val="phClr">
-                <a:shade val="51000"/>
-                <a:satMod val="130000"/>
-              </a:schemeClr>
-            </a:gs>
-            <a:gs pos="80000">
-              <a:schemeClr val="phClr">
-                <a:shade val="93000"/>
-                <a:satMod val="130000"/>
-              </a:schemeClr>
-            </a:gs>
-            <a:gs pos="100000">
-              <a:schemeClr val="phClr">
-                <a:shade val="94000"/>
-                <a:satMod val="135000"/>
-              </a:schemeClr>
-            </a:gs>
-          </a:gsLst>
-          <a:lin ang="16200000" scaled="0"/>
-        </a:gradFill>
-      </a:fillStyleLst>
-      <a:lnStyleLst>
-        <a:ln w="9525" cap="flat" cmpd="sng" algn="ctr">
-          <a:solidFill>
-            <a:schemeClr val="phClr">
-              <a:shade val="95000"/>
-              <a:satMod val="105000"/>
-            </a:schemeClr>
-          </a:solidFill>
-          <a:prstDash val="solid"/>
-        </a:ln>
-        <a:ln w="25400" cap="flat" cmpd="sng" algn="ctr">
-          <a:solidFill>
-            <a:schemeClr val="phClr"/>
-          </a:solidFill>
-          <a:prstDash val="solid"/>
-        </a:ln>
-        <a:ln w="38100" cap="flat" cmpd="sng" algn="ctr">
-          <a:solidFill>
-            <a:schemeClr val="phClr"/>
-          </a:solidFill>
-          <a:prstDash val="solid"/>
-        </a:ln>
-      </a:lnStyleLst>
-      <a:effectStyleLst>
-        <a:effectStyle>
-          <a:effectLst>
-            <a:outerShdw blurRad="40000" dist="20000" dir="5400000" rotWithShape="0">
-              <a:srgbClr val="000000">
-                <a:alpha val="38000"/>
-              </a:srgbClr>
-            </a:outerShdw>
-          </a:effectLst>
-        </a:effectStyle>
-        <a:effectStyle>
-          <a:effectLst>
-            <a:outerShdw blurRad="40000" dist="23000" dir="5400000" rotWithShape="0">
-              <a:srgbClr val="000000">
-                <a:alpha val="35000"/>
-              </a:srgbClr>
-            </a:outerShdw>
-          </a:effectLst>
-        </a:effectStyle>
-        <a:effectStyle>
-          <a:effectLst>
-            <a:outerShdw blurRad="40000" dist="23000" dir="5400000" rotWithShape="0">
-              <a:srgbClr val="000000">
-                <a:alpha val="35000"/>
-              </a:srgbClr>
-            </a:outerShdw>
-          </a:effectLst>
-          <a:scene3d>
-            <a:camera prst="orthographicFront">
-              <a:rot lat="0" lon="0" rev="0"/>
-            </a:camera>
-            <a:lightRig rig="threePt" dir="t">
-              <a:rot lat="0" lon="0" rev="1200000"/>
-            </a:lightRig>
-          </a:scene3d>
-          <a:sp3d>
-            <a:bevelT w="63500" h="25400"/>
-          </a:sp3d>
-        </a:effectStyle>
-      </a:effectStyleLst>
-      <a:bgFillStyleLst>
-        <a:solidFill>
-          <a:schemeClr val="phClr"/>
-        </a:solidFill>
-        <a:gradFill rotWithShape="1">
-          <a:gsLst>
-            <a:gs pos="0">
-              <a:schemeClr val="phClr">
-                <a:tint val="40000"/>
-                <a:satMod val="350000"/>
-              </a:schemeClr>
-            </a:gs>
-            <a:gs pos="40000">
-              <a:schemeClr val="phClr">
-                <a:tint val="45000"/>
-                <a:shade val="99000"/>
-                <a:satMod val="350000"/>
-              </a:schemeClr>
-            </a:gs>
-            <a:gs pos="100000">
-              <a:schemeClr val="phClr">
-                <a:shade val="20000"/>
-                <a:satMod val="255000"/>
-              </a:schemeClr>
-            </a:gs>
-          </a:gsLst>
-          <a:path path="circle">
-            <a:fillToRect l="50000" t="-80000" r="50000" b="180000"/>
-          </a:path>
-        </a:gradFill>
-        <a:gradFill rotWithShape="1">
-          <a:gsLst>
-            <a:gs pos="0">
-              <a:schemeClr val="phClr">
-                <a:tint val="80000"/>
-                <a:satMod val="300000"/>
-              </a:schemeClr>
-            </a:gs>
-            <a:gs pos="100000">
-              <a:schemeClr val="phClr">
-                <a:shade val="30000"/>
-                <a:satMod val="200000"/>
-              </a:schemeClr>
-            </a:gs>
-          </a:gsLst>
-          <a:path path="circle">
-            <a:fillToRect l="50000" t="50000" r="50000" b="50000"/>
-          </a:path>
-        </a:gradFill>
-      </a:bgFillStyleLst>
-    </a:fmtScheme>
-  </a:themeElements>
-</a:theme>
 </file>